--- a/agile/SCRUM-TDD.pptx
+++ b/agile/SCRUM-TDD.pptx
@@ -5,16 +5,17 @@
     <p:sldMasterId id="2147483737" r:id="rId1"/>
   </p:sldMasterIdLst>
   <p:notesMasterIdLst>
-    <p:notesMasterId r:id="rId9"/>
+    <p:notesMasterId r:id="rId10"/>
   </p:notesMasterIdLst>
   <p:sldIdLst>
     <p:sldId id="256" r:id="rId2"/>
     <p:sldId id="261" r:id="rId3"/>
-    <p:sldId id="257" r:id="rId4"/>
-    <p:sldId id="258" r:id="rId5"/>
-    <p:sldId id="262" r:id="rId6"/>
-    <p:sldId id="260" r:id="rId7"/>
-    <p:sldId id="259" r:id="rId8"/>
+    <p:sldId id="263" r:id="rId4"/>
+    <p:sldId id="257" r:id="rId5"/>
+    <p:sldId id="258" r:id="rId6"/>
+    <p:sldId id="262" r:id="rId7"/>
+    <p:sldId id="260" r:id="rId8"/>
+    <p:sldId id="259" r:id="rId9"/>
   </p:sldIdLst>
   <p:sldSz cx="12192000" cy="6858000"/>
   <p:notesSz cx="6858000" cy="9144000"/>
@@ -203,7 +204,7 @@
           <a:p>
             <a:fld id="{64AA49B1-1666-4DC4-BC23-C568ABEE6969}" type="datetimeFigureOut">
               <a:rPr lang="en-US" smtClean="0"/>
-              <a:t>8/8/2017</a:t>
+              <a:t>8/18/2017</a:t>
             </a:fld>
             <a:endParaRPr lang="en-US"/>
           </a:p>
@@ -298,7 +299,6 @@
               <a:rPr lang="en-US"/>
               <a:t>Fifth level</a:t>
             </a:r>
-            <a:endParaRPr lang="en-US"/>
           </a:p>
         </p:txBody>
       </p:sp>
@@ -608,7 +608,7 @@
           <a:p>
             <a:fld id="{0BBBEC0D-35D3-41A3-917F-9DA0A4837984}" type="datetime1">
               <a:rPr lang="en-US" smtClean="0"/>
-              <a:t>8/8/2017</a:t>
+              <a:t>8/18/2017</a:t>
             </a:fld>
             <a:endParaRPr lang="en-US"/>
           </a:p>
@@ -823,7 +823,7 @@
           <a:p>
             <a:fld id="{2A01AC13-79C1-4D8C-BBC7-7C4F7175D6CA}" type="datetime1">
               <a:rPr lang="en-US" smtClean="0"/>
-              <a:t>8/8/2017</a:t>
+              <a:t>8/18/2017</a:t>
             </a:fld>
             <a:endParaRPr lang="en-US"/>
           </a:p>
@@ -1018,7 +1018,7 @@
           <a:p>
             <a:fld id="{97E35274-23C4-4762-A1E3-9D8CBA0442ED}" type="datetime1">
               <a:rPr lang="en-US" smtClean="0"/>
-              <a:t>8/8/2017</a:t>
+              <a:t>8/18/2017</a:t>
             </a:fld>
             <a:endParaRPr lang="en-US"/>
           </a:p>
@@ -1203,7 +1203,7 @@
           <a:p>
             <a:fld id="{DE774422-7354-466A-8059-7DD366FAFB4A}" type="datetime1">
               <a:rPr lang="en-US" smtClean="0"/>
-              <a:t>8/8/2017</a:t>
+              <a:t>8/18/2017</a:t>
             </a:fld>
             <a:endParaRPr lang="en-US"/>
           </a:p>
@@ -1495,7 +1495,7 @@
           <a:p>
             <a:fld id="{F1EFC449-41D5-4078-AD41-DF65AFF1725D}" type="datetime1">
               <a:rPr lang="en-US" smtClean="0"/>
-              <a:t>8/8/2017</a:t>
+              <a:t>8/18/2017</a:t>
             </a:fld>
             <a:endParaRPr lang="en-US"/>
           </a:p>
@@ -1723,7 +1723,7 @@
           <a:p>
             <a:fld id="{DC6B2807-2324-41ED-BBC3-6F60C4DD448E}" type="datetime1">
               <a:rPr lang="en-US" smtClean="0"/>
-              <a:t>8/8/2017</a:t>
+              <a:t>8/18/2017</a:t>
             </a:fld>
             <a:endParaRPr lang="en-US"/>
           </a:p>
@@ -2086,7 +2086,7 @@
           <a:p>
             <a:fld id="{6AFF9FBE-E42E-4DB3-917B-D4DA624799DA}" type="datetime1">
               <a:rPr lang="en-US" smtClean="0"/>
-              <a:t>8/8/2017</a:t>
+              <a:t>8/18/2017</a:t>
             </a:fld>
             <a:endParaRPr lang="en-US"/>
           </a:p>
@@ -2220,7 +2220,7 @@
           <a:p>
             <a:fld id="{C31A4AFC-3F84-4B30-B65C-133FF01F0840}" type="datetime1">
               <a:rPr lang="en-US" smtClean="0"/>
-              <a:t>8/8/2017</a:t>
+              <a:t>8/18/2017</a:t>
             </a:fld>
             <a:endParaRPr lang="en-US"/>
           </a:p>
@@ -2332,7 +2332,7 @@
           <a:p>
             <a:fld id="{1E8D1855-A2ED-4898-8109-988DB163A083}" type="datetime1">
               <a:rPr lang="en-US" smtClean="0"/>
-              <a:t>8/8/2017</a:t>
+              <a:t>8/18/2017</a:t>
             </a:fld>
             <a:endParaRPr lang="en-US"/>
           </a:p>
@@ -2624,7 +2624,7 @@
           <a:p>
             <a:fld id="{B2CC9D2E-4328-4A5E-BB0C-29E1D66B54DC}" type="datetime1">
               <a:rPr lang="en-US" smtClean="0"/>
-              <a:t>8/8/2017</a:t>
+              <a:t>8/18/2017</a:t>
             </a:fld>
             <a:endParaRPr lang="en-US"/>
           </a:p>
@@ -2875,7 +2875,7 @@
           <a:p>
             <a:fld id="{41098501-9C94-4FEC-B8FD-E40E8623F674}" type="datetime1">
               <a:rPr lang="en-US" smtClean="0"/>
-              <a:t>8/8/2017</a:t>
+              <a:t>8/18/2017</a:t>
             </a:fld>
             <a:endParaRPr lang="en-US"/>
           </a:p>
@@ -3103,7 +3103,7 @@
           <a:p>
             <a:fld id="{7B84A6A7-B443-4B45-9999-5949BD8675A8}" type="datetime1">
               <a:rPr lang="en-US" smtClean="0"/>
-              <a:t>8/8/2017</a:t>
+              <a:t>8/18/2017</a:t>
             </a:fld>
             <a:endParaRPr lang="en-US"/>
           </a:p>
@@ -3760,184 +3760,1186 @@
           <a:p>
             <a:r>
               <a:rPr lang="en-US" dirty="0"/>
-              <a:t>Scrum</a:t>
-            </a:r>
-          </a:p>
-        </p:txBody>
-      </p:sp>
-      <p:sp>
-        <p:nvSpPr>
-          <p:cNvPr id="3" name="Content Placeholder 2"/>
-          <p:cNvSpPr>
-            <a:spLocks noGrp="1"/>
-          </p:cNvSpPr>
-          <p:nvPr>
-            <p:ph idx="1"/>
+              <a:t>Sprint</a:t>
+            </a:r>
+          </a:p>
+        </p:txBody>
+      </p:sp>
+      <p:sp>
+        <p:nvSpPr>
+          <p:cNvPr id="4" name="Slide Number Placeholder 3"/>
+          <p:cNvSpPr>
+            <a:spLocks noGrp="1"/>
+          </p:cNvSpPr>
+          <p:nvPr>
+            <p:ph type="sldNum" sz="quarter" idx="12"/>
           </p:nvPr>
         </p:nvSpPr>
         <p:spPr/>
         <p:txBody>
-          <a:bodyPr>
-            <a:normAutofit fontScale="92500" lnSpcReduction="20000"/>
+          <a:bodyPr/>
+          <a:lstStyle/>
+          <a:p>
+            <a:r>
+              <a:rPr lang="en-US"/>
+              <a:t>http://www.garfieldwiki.com</a:t>
+            </a:r>
+            <a:endParaRPr lang="en-US" dirty="0"/>
+          </a:p>
+        </p:txBody>
+      </p:sp>
+      <p:grpSp>
+        <p:nvGrpSpPr>
+          <p:cNvPr id="10" name="Group 9"/>
+          <p:cNvGrpSpPr/>
+          <p:nvPr/>
+        </p:nvGrpSpPr>
+        <p:grpSpPr>
+          <a:xfrm>
+            <a:off x="526474" y="1900237"/>
+            <a:ext cx="2318326" cy="4246563"/>
+            <a:chOff x="554182" y="1690688"/>
+            <a:chExt cx="3011054" cy="4246563"/>
+          </a:xfrm>
+        </p:grpSpPr>
+        <p:sp>
+          <p:nvSpPr>
+            <p:cNvPr id="5" name="Rounded Rectangle 4"/>
+            <p:cNvSpPr/>
+            <p:nvPr/>
+          </p:nvSpPr>
+          <p:spPr>
+            <a:xfrm>
+              <a:off x="554182" y="1690688"/>
+              <a:ext cx="3011054" cy="4246563"/>
+            </a:xfrm>
+            <a:prstGeom prst="roundRect">
+              <a:avLst/>
+            </a:prstGeom>
+          </p:spPr>
+          <p:style>
+            <a:lnRef idx="2">
+              <a:schemeClr val="accent1">
+                <a:shade val="50000"/>
+              </a:schemeClr>
+            </a:lnRef>
+            <a:fillRef idx="1">
+              <a:schemeClr val="accent1"/>
+            </a:fillRef>
+            <a:effectRef idx="0">
+              <a:schemeClr val="accent1"/>
+            </a:effectRef>
+            <a:fontRef idx="minor">
+              <a:schemeClr val="lt1"/>
+            </a:fontRef>
+          </p:style>
+          <p:txBody>
+            <a:bodyPr rtlCol="0" anchor="ctr"/>
+            <a:lstStyle/>
+            <a:p>
+              <a:pPr algn="ctr"/>
+              <a:endParaRPr lang="en-US" dirty="0"/>
+            </a:p>
+          </p:txBody>
+        </p:sp>
+        <p:sp>
+          <p:nvSpPr>
+            <p:cNvPr id="6" name="Rectangle 5"/>
+            <p:cNvSpPr/>
+            <p:nvPr/>
+          </p:nvSpPr>
+          <p:spPr>
+            <a:xfrm>
+              <a:off x="838200" y="2179782"/>
+              <a:ext cx="2366818" cy="628073"/>
+            </a:xfrm>
+            <a:prstGeom prst="rect">
+              <a:avLst/>
+            </a:prstGeom>
+          </p:spPr>
+          <p:style>
+            <a:lnRef idx="2">
+              <a:schemeClr val="accent4">
+                <a:shade val="50000"/>
+              </a:schemeClr>
+            </a:lnRef>
+            <a:fillRef idx="1">
+              <a:schemeClr val="accent4"/>
+            </a:fillRef>
+            <a:effectRef idx="0">
+              <a:schemeClr val="accent4"/>
+            </a:effectRef>
+            <a:fontRef idx="minor">
+              <a:schemeClr val="lt1"/>
+            </a:fontRef>
+          </p:style>
+          <p:txBody>
+            <a:bodyPr rtlCol="0" anchor="ctr"/>
+            <a:lstStyle/>
+            <a:p>
+              <a:pPr algn="ctr"/>
+              <a:r>
+                <a:rPr lang="en-US" dirty="0"/>
+                <a:t>Requirement</a:t>
+              </a:r>
+            </a:p>
+          </p:txBody>
+        </p:sp>
+        <p:sp>
+          <p:nvSpPr>
+            <p:cNvPr id="7" name="Rectangle 6"/>
+            <p:cNvSpPr/>
+            <p:nvPr/>
+          </p:nvSpPr>
+          <p:spPr>
+            <a:xfrm>
+              <a:off x="838200" y="3101879"/>
+              <a:ext cx="2366818" cy="628073"/>
+            </a:xfrm>
+            <a:prstGeom prst="rect">
+              <a:avLst/>
+            </a:prstGeom>
+          </p:spPr>
+          <p:style>
+            <a:lnRef idx="2">
+              <a:schemeClr val="accent4">
+                <a:shade val="50000"/>
+              </a:schemeClr>
+            </a:lnRef>
+            <a:fillRef idx="1">
+              <a:schemeClr val="accent4"/>
+            </a:fillRef>
+            <a:effectRef idx="0">
+              <a:schemeClr val="accent4"/>
+            </a:effectRef>
+            <a:fontRef idx="minor">
+              <a:schemeClr val="lt1"/>
+            </a:fontRef>
+          </p:style>
+          <p:txBody>
+            <a:bodyPr rtlCol="0" anchor="ctr"/>
+            <a:lstStyle/>
+            <a:p>
+              <a:pPr algn="ctr"/>
+              <a:r>
+                <a:rPr lang="en-US" dirty="0"/>
+                <a:t>Design</a:t>
+              </a:r>
+            </a:p>
+          </p:txBody>
+        </p:sp>
+        <p:sp>
+          <p:nvSpPr>
+            <p:cNvPr id="8" name="Rectangle 7"/>
+            <p:cNvSpPr/>
+            <p:nvPr/>
+          </p:nvSpPr>
+          <p:spPr>
+            <a:xfrm>
+              <a:off x="838200" y="4023976"/>
+              <a:ext cx="2366818" cy="628073"/>
+            </a:xfrm>
+            <a:prstGeom prst="rect">
+              <a:avLst/>
+            </a:prstGeom>
+          </p:spPr>
+          <p:style>
+            <a:lnRef idx="2">
+              <a:schemeClr val="accent4">
+                <a:shade val="50000"/>
+              </a:schemeClr>
+            </a:lnRef>
+            <a:fillRef idx="1">
+              <a:schemeClr val="accent4"/>
+            </a:fillRef>
+            <a:effectRef idx="0">
+              <a:schemeClr val="accent4"/>
+            </a:effectRef>
+            <a:fontRef idx="minor">
+              <a:schemeClr val="lt1"/>
+            </a:fontRef>
+          </p:style>
+          <p:txBody>
+            <a:bodyPr rtlCol="0" anchor="ctr"/>
+            <a:lstStyle/>
+            <a:p>
+              <a:pPr algn="ctr"/>
+              <a:r>
+                <a:rPr lang="en-US" dirty="0"/>
+                <a:t>Coding</a:t>
+              </a:r>
+            </a:p>
+          </p:txBody>
+        </p:sp>
+        <p:sp>
+          <p:nvSpPr>
+            <p:cNvPr id="9" name="Rectangle 8"/>
+            <p:cNvSpPr/>
+            <p:nvPr/>
+          </p:nvSpPr>
+          <p:spPr>
+            <a:xfrm>
+              <a:off x="838200" y="4946073"/>
+              <a:ext cx="2366818" cy="628073"/>
+            </a:xfrm>
+            <a:prstGeom prst="rect">
+              <a:avLst/>
+            </a:prstGeom>
+          </p:spPr>
+          <p:style>
+            <a:lnRef idx="2">
+              <a:schemeClr val="accent4">
+                <a:shade val="50000"/>
+              </a:schemeClr>
+            </a:lnRef>
+            <a:fillRef idx="1">
+              <a:schemeClr val="accent4"/>
+            </a:fillRef>
+            <a:effectRef idx="0">
+              <a:schemeClr val="accent4"/>
+            </a:effectRef>
+            <a:fontRef idx="minor">
+              <a:schemeClr val="lt1"/>
+            </a:fontRef>
+          </p:style>
+          <p:txBody>
+            <a:bodyPr rtlCol="0" anchor="ctr"/>
+            <a:lstStyle/>
+            <a:p>
+              <a:pPr algn="ctr"/>
+              <a:r>
+                <a:rPr lang="en-US" dirty="0"/>
+                <a:t>Testing</a:t>
+              </a:r>
+            </a:p>
+          </p:txBody>
+        </p:sp>
+      </p:grpSp>
+      <p:grpSp>
+        <p:nvGrpSpPr>
+          <p:cNvPr id="23" name="Group 22"/>
+          <p:cNvGrpSpPr/>
+          <p:nvPr/>
+        </p:nvGrpSpPr>
+        <p:grpSpPr>
+          <a:xfrm>
+            <a:off x="3520595" y="1900237"/>
+            <a:ext cx="2318326" cy="4246563"/>
+            <a:chOff x="554182" y="1690688"/>
+            <a:chExt cx="3011054" cy="4246563"/>
+          </a:xfrm>
+        </p:grpSpPr>
+        <p:sp>
+          <p:nvSpPr>
+            <p:cNvPr id="24" name="Rounded Rectangle 23"/>
+            <p:cNvSpPr/>
+            <p:nvPr/>
+          </p:nvSpPr>
+          <p:spPr>
+            <a:xfrm>
+              <a:off x="554182" y="1690688"/>
+              <a:ext cx="3011054" cy="4246563"/>
+            </a:xfrm>
+            <a:prstGeom prst="roundRect">
+              <a:avLst/>
+            </a:prstGeom>
+          </p:spPr>
+          <p:style>
+            <a:lnRef idx="2">
+              <a:schemeClr val="accent1">
+                <a:shade val="50000"/>
+              </a:schemeClr>
+            </a:lnRef>
+            <a:fillRef idx="1">
+              <a:schemeClr val="accent1"/>
+            </a:fillRef>
+            <a:effectRef idx="0">
+              <a:schemeClr val="accent1"/>
+            </a:effectRef>
+            <a:fontRef idx="minor">
+              <a:schemeClr val="lt1"/>
+            </a:fontRef>
+          </p:style>
+          <p:txBody>
+            <a:bodyPr rtlCol="0" anchor="ctr"/>
+            <a:lstStyle/>
+            <a:p>
+              <a:pPr algn="ctr"/>
+              <a:endParaRPr lang="en-US"/>
+            </a:p>
+          </p:txBody>
+        </p:sp>
+        <p:sp>
+          <p:nvSpPr>
+            <p:cNvPr id="25" name="Rectangle 24"/>
+            <p:cNvSpPr/>
+            <p:nvPr/>
+          </p:nvSpPr>
+          <p:spPr>
+            <a:xfrm>
+              <a:off x="838200" y="2179782"/>
+              <a:ext cx="2366818" cy="628073"/>
+            </a:xfrm>
+            <a:prstGeom prst="rect">
+              <a:avLst/>
+            </a:prstGeom>
+          </p:spPr>
+          <p:style>
+            <a:lnRef idx="2">
+              <a:schemeClr val="accent4">
+                <a:shade val="50000"/>
+              </a:schemeClr>
+            </a:lnRef>
+            <a:fillRef idx="1">
+              <a:schemeClr val="accent4"/>
+            </a:fillRef>
+            <a:effectRef idx="0">
+              <a:schemeClr val="accent4"/>
+            </a:effectRef>
+            <a:fontRef idx="minor">
+              <a:schemeClr val="lt1"/>
+            </a:fontRef>
+          </p:style>
+          <p:txBody>
+            <a:bodyPr rtlCol="0" anchor="ctr"/>
+            <a:lstStyle/>
+            <a:p>
+              <a:pPr algn="ctr"/>
+              <a:r>
+                <a:rPr lang="en-US" dirty="0"/>
+                <a:t>Requirement</a:t>
+              </a:r>
+            </a:p>
+          </p:txBody>
+        </p:sp>
+        <p:sp>
+          <p:nvSpPr>
+            <p:cNvPr id="26" name="Rectangle 25"/>
+            <p:cNvSpPr/>
+            <p:nvPr/>
+          </p:nvSpPr>
+          <p:spPr>
+            <a:xfrm>
+              <a:off x="838200" y="3101879"/>
+              <a:ext cx="2366818" cy="628073"/>
+            </a:xfrm>
+            <a:prstGeom prst="rect">
+              <a:avLst/>
+            </a:prstGeom>
+          </p:spPr>
+          <p:style>
+            <a:lnRef idx="2">
+              <a:schemeClr val="accent4">
+                <a:shade val="50000"/>
+              </a:schemeClr>
+            </a:lnRef>
+            <a:fillRef idx="1">
+              <a:schemeClr val="accent4"/>
+            </a:fillRef>
+            <a:effectRef idx="0">
+              <a:schemeClr val="accent4"/>
+            </a:effectRef>
+            <a:fontRef idx="minor">
+              <a:schemeClr val="lt1"/>
+            </a:fontRef>
+          </p:style>
+          <p:txBody>
+            <a:bodyPr rtlCol="0" anchor="ctr"/>
+            <a:lstStyle/>
+            <a:p>
+              <a:pPr algn="ctr"/>
+              <a:r>
+                <a:rPr lang="en-US" dirty="0"/>
+                <a:t>Design</a:t>
+              </a:r>
+            </a:p>
+          </p:txBody>
+        </p:sp>
+        <p:sp>
+          <p:nvSpPr>
+            <p:cNvPr id="27" name="Rectangle 26"/>
+            <p:cNvSpPr/>
+            <p:nvPr/>
+          </p:nvSpPr>
+          <p:spPr>
+            <a:xfrm>
+              <a:off x="838200" y="4023976"/>
+              <a:ext cx="2366818" cy="628073"/>
+            </a:xfrm>
+            <a:prstGeom prst="rect">
+              <a:avLst/>
+            </a:prstGeom>
+          </p:spPr>
+          <p:style>
+            <a:lnRef idx="2">
+              <a:schemeClr val="accent4">
+                <a:shade val="50000"/>
+              </a:schemeClr>
+            </a:lnRef>
+            <a:fillRef idx="1">
+              <a:schemeClr val="accent4"/>
+            </a:fillRef>
+            <a:effectRef idx="0">
+              <a:schemeClr val="accent4"/>
+            </a:effectRef>
+            <a:fontRef idx="minor">
+              <a:schemeClr val="lt1"/>
+            </a:fontRef>
+          </p:style>
+          <p:txBody>
+            <a:bodyPr rtlCol="0" anchor="ctr"/>
+            <a:lstStyle/>
+            <a:p>
+              <a:pPr algn="ctr"/>
+              <a:r>
+                <a:rPr lang="en-US" dirty="0"/>
+                <a:t>Coding</a:t>
+              </a:r>
+            </a:p>
+          </p:txBody>
+        </p:sp>
+        <p:sp>
+          <p:nvSpPr>
+            <p:cNvPr id="28" name="Rectangle 27"/>
+            <p:cNvSpPr/>
+            <p:nvPr/>
+          </p:nvSpPr>
+          <p:spPr>
+            <a:xfrm>
+              <a:off x="838200" y="4946073"/>
+              <a:ext cx="2366818" cy="628073"/>
+            </a:xfrm>
+            <a:prstGeom prst="rect">
+              <a:avLst/>
+            </a:prstGeom>
+          </p:spPr>
+          <p:style>
+            <a:lnRef idx="2">
+              <a:schemeClr val="accent4">
+                <a:shade val="50000"/>
+              </a:schemeClr>
+            </a:lnRef>
+            <a:fillRef idx="1">
+              <a:schemeClr val="accent4"/>
+            </a:fillRef>
+            <a:effectRef idx="0">
+              <a:schemeClr val="accent4"/>
+            </a:effectRef>
+            <a:fontRef idx="minor">
+              <a:schemeClr val="lt1"/>
+            </a:fontRef>
+          </p:style>
+          <p:txBody>
+            <a:bodyPr rtlCol="0" anchor="ctr"/>
+            <a:lstStyle/>
+            <a:p>
+              <a:pPr algn="ctr"/>
+              <a:r>
+                <a:rPr lang="en-US" dirty="0"/>
+                <a:t>Testing</a:t>
+              </a:r>
+            </a:p>
+          </p:txBody>
+        </p:sp>
+      </p:grpSp>
+      <p:grpSp>
+        <p:nvGrpSpPr>
+          <p:cNvPr id="29" name="Group 28"/>
+          <p:cNvGrpSpPr/>
+          <p:nvPr/>
+        </p:nvGrpSpPr>
+        <p:grpSpPr>
+          <a:xfrm>
+            <a:off x="6514716" y="1900237"/>
+            <a:ext cx="2318326" cy="4246563"/>
+            <a:chOff x="554182" y="1690688"/>
+            <a:chExt cx="3011054" cy="4246563"/>
+          </a:xfrm>
+        </p:grpSpPr>
+        <p:sp>
+          <p:nvSpPr>
+            <p:cNvPr id="30" name="Rounded Rectangle 29"/>
+            <p:cNvSpPr/>
+            <p:nvPr/>
+          </p:nvSpPr>
+          <p:spPr>
+            <a:xfrm>
+              <a:off x="554182" y="1690688"/>
+              <a:ext cx="3011054" cy="4246563"/>
+            </a:xfrm>
+            <a:prstGeom prst="roundRect">
+              <a:avLst/>
+            </a:prstGeom>
+          </p:spPr>
+          <p:style>
+            <a:lnRef idx="2">
+              <a:schemeClr val="accent1">
+                <a:shade val="50000"/>
+              </a:schemeClr>
+            </a:lnRef>
+            <a:fillRef idx="1">
+              <a:schemeClr val="accent1"/>
+            </a:fillRef>
+            <a:effectRef idx="0">
+              <a:schemeClr val="accent1"/>
+            </a:effectRef>
+            <a:fontRef idx="minor">
+              <a:schemeClr val="lt1"/>
+            </a:fontRef>
+          </p:style>
+          <p:txBody>
+            <a:bodyPr rtlCol="0" anchor="ctr"/>
+            <a:lstStyle/>
+            <a:p>
+              <a:pPr algn="ctr"/>
+              <a:endParaRPr lang="en-US"/>
+            </a:p>
+          </p:txBody>
+        </p:sp>
+        <p:sp>
+          <p:nvSpPr>
+            <p:cNvPr id="31" name="Rectangle 30"/>
+            <p:cNvSpPr/>
+            <p:nvPr/>
+          </p:nvSpPr>
+          <p:spPr>
+            <a:xfrm>
+              <a:off x="838200" y="2179782"/>
+              <a:ext cx="2366818" cy="628073"/>
+            </a:xfrm>
+            <a:prstGeom prst="rect">
+              <a:avLst/>
+            </a:prstGeom>
+          </p:spPr>
+          <p:style>
+            <a:lnRef idx="2">
+              <a:schemeClr val="accent4">
+                <a:shade val="50000"/>
+              </a:schemeClr>
+            </a:lnRef>
+            <a:fillRef idx="1">
+              <a:schemeClr val="accent4"/>
+            </a:fillRef>
+            <a:effectRef idx="0">
+              <a:schemeClr val="accent4"/>
+            </a:effectRef>
+            <a:fontRef idx="minor">
+              <a:schemeClr val="lt1"/>
+            </a:fontRef>
+          </p:style>
+          <p:txBody>
+            <a:bodyPr rtlCol="0" anchor="ctr"/>
+            <a:lstStyle/>
+            <a:p>
+              <a:pPr algn="ctr"/>
+              <a:r>
+                <a:rPr lang="en-US" dirty="0"/>
+                <a:t>Requirement</a:t>
+              </a:r>
+            </a:p>
+          </p:txBody>
+        </p:sp>
+        <p:sp>
+          <p:nvSpPr>
+            <p:cNvPr id="32" name="Rectangle 31"/>
+            <p:cNvSpPr/>
+            <p:nvPr/>
+          </p:nvSpPr>
+          <p:spPr>
+            <a:xfrm>
+              <a:off x="838200" y="3101879"/>
+              <a:ext cx="2366818" cy="628073"/>
+            </a:xfrm>
+            <a:prstGeom prst="rect">
+              <a:avLst/>
+            </a:prstGeom>
+          </p:spPr>
+          <p:style>
+            <a:lnRef idx="2">
+              <a:schemeClr val="accent4">
+                <a:shade val="50000"/>
+              </a:schemeClr>
+            </a:lnRef>
+            <a:fillRef idx="1">
+              <a:schemeClr val="accent4"/>
+            </a:fillRef>
+            <a:effectRef idx="0">
+              <a:schemeClr val="accent4"/>
+            </a:effectRef>
+            <a:fontRef idx="minor">
+              <a:schemeClr val="lt1"/>
+            </a:fontRef>
+          </p:style>
+          <p:txBody>
+            <a:bodyPr rtlCol="0" anchor="ctr"/>
+            <a:lstStyle/>
+            <a:p>
+              <a:pPr algn="ctr"/>
+              <a:r>
+                <a:rPr lang="en-US" dirty="0"/>
+                <a:t>Design</a:t>
+              </a:r>
+            </a:p>
+          </p:txBody>
+        </p:sp>
+        <p:sp>
+          <p:nvSpPr>
+            <p:cNvPr id="33" name="Rectangle 32"/>
+            <p:cNvSpPr/>
+            <p:nvPr/>
+          </p:nvSpPr>
+          <p:spPr>
+            <a:xfrm>
+              <a:off x="838200" y="4023976"/>
+              <a:ext cx="2366818" cy="628073"/>
+            </a:xfrm>
+            <a:prstGeom prst="rect">
+              <a:avLst/>
+            </a:prstGeom>
+          </p:spPr>
+          <p:style>
+            <a:lnRef idx="2">
+              <a:schemeClr val="accent4">
+                <a:shade val="50000"/>
+              </a:schemeClr>
+            </a:lnRef>
+            <a:fillRef idx="1">
+              <a:schemeClr val="accent4"/>
+            </a:fillRef>
+            <a:effectRef idx="0">
+              <a:schemeClr val="accent4"/>
+            </a:effectRef>
+            <a:fontRef idx="minor">
+              <a:schemeClr val="lt1"/>
+            </a:fontRef>
+          </p:style>
+          <p:txBody>
+            <a:bodyPr rtlCol="0" anchor="ctr"/>
+            <a:lstStyle/>
+            <a:p>
+              <a:pPr algn="ctr"/>
+              <a:r>
+                <a:rPr lang="en-US" dirty="0"/>
+                <a:t>Coding</a:t>
+              </a:r>
+            </a:p>
+          </p:txBody>
+        </p:sp>
+        <p:sp>
+          <p:nvSpPr>
+            <p:cNvPr id="34" name="Rectangle 33"/>
+            <p:cNvSpPr/>
+            <p:nvPr/>
+          </p:nvSpPr>
+          <p:spPr>
+            <a:xfrm>
+              <a:off x="838200" y="4946073"/>
+              <a:ext cx="2366818" cy="628073"/>
+            </a:xfrm>
+            <a:prstGeom prst="rect">
+              <a:avLst/>
+            </a:prstGeom>
+          </p:spPr>
+          <p:style>
+            <a:lnRef idx="2">
+              <a:schemeClr val="accent4">
+                <a:shade val="50000"/>
+              </a:schemeClr>
+            </a:lnRef>
+            <a:fillRef idx="1">
+              <a:schemeClr val="accent4"/>
+            </a:fillRef>
+            <a:effectRef idx="0">
+              <a:schemeClr val="accent4"/>
+            </a:effectRef>
+            <a:fontRef idx="minor">
+              <a:schemeClr val="lt1"/>
+            </a:fontRef>
+          </p:style>
+          <p:txBody>
+            <a:bodyPr rtlCol="0" anchor="ctr"/>
+            <a:lstStyle/>
+            <a:p>
+              <a:pPr algn="ctr"/>
+              <a:r>
+                <a:rPr lang="en-US" dirty="0"/>
+                <a:t>Testing</a:t>
+              </a:r>
+            </a:p>
+          </p:txBody>
+        </p:sp>
+      </p:grpSp>
+      <p:grpSp>
+        <p:nvGrpSpPr>
+          <p:cNvPr id="35" name="Group 34"/>
+          <p:cNvGrpSpPr/>
+          <p:nvPr/>
+        </p:nvGrpSpPr>
+        <p:grpSpPr>
+          <a:xfrm>
+            <a:off x="9508838" y="1900237"/>
+            <a:ext cx="2318326" cy="4246563"/>
+            <a:chOff x="554182" y="1690688"/>
+            <a:chExt cx="3011054" cy="4246563"/>
+          </a:xfrm>
+        </p:grpSpPr>
+        <p:sp>
+          <p:nvSpPr>
+            <p:cNvPr id="36" name="Rounded Rectangle 35"/>
+            <p:cNvSpPr/>
+            <p:nvPr/>
+          </p:nvSpPr>
+          <p:spPr>
+            <a:xfrm>
+              <a:off x="554182" y="1690688"/>
+              <a:ext cx="3011054" cy="4246563"/>
+            </a:xfrm>
+            <a:prstGeom prst="roundRect">
+              <a:avLst/>
+            </a:prstGeom>
+          </p:spPr>
+          <p:style>
+            <a:lnRef idx="2">
+              <a:schemeClr val="accent1">
+                <a:shade val="50000"/>
+              </a:schemeClr>
+            </a:lnRef>
+            <a:fillRef idx="1">
+              <a:schemeClr val="accent1"/>
+            </a:fillRef>
+            <a:effectRef idx="0">
+              <a:schemeClr val="accent1"/>
+            </a:effectRef>
+            <a:fontRef idx="minor">
+              <a:schemeClr val="lt1"/>
+            </a:fontRef>
+          </p:style>
+          <p:txBody>
+            <a:bodyPr rtlCol="0" anchor="ctr"/>
+            <a:lstStyle/>
+            <a:p>
+              <a:pPr algn="ctr"/>
+              <a:endParaRPr lang="en-US"/>
+            </a:p>
+          </p:txBody>
+        </p:sp>
+        <p:sp>
+          <p:nvSpPr>
+            <p:cNvPr id="37" name="Rectangle 36"/>
+            <p:cNvSpPr/>
+            <p:nvPr/>
+          </p:nvSpPr>
+          <p:spPr>
+            <a:xfrm>
+              <a:off x="838200" y="2179782"/>
+              <a:ext cx="2366818" cy="628073"/>
+            </a:xfrm>
+            <a:prstGeom prst="rect">
+              <a:avLst/>
+            </a:prstGeom>
+          </p:spPr>
+          <p:style>
+            <a:lnRef idx="2">
+              <a:schemeClr val="accent4">
+                <a:shade val="50000"/>
+              </a:schemeClr>
+            </a:lnRef>
+            <a:fillRef idx="1">
+              <a:schemeClr val="accent4"/>
+            </a:fillRef>
+            <a:effectRef idx="0">
+              <a:schemeClr val="accent4"/>
+            </a:effectRef>
+            <a:fontRef idx="minor">
+              <a:schemeClr val="lt1"/>
+            </a:fontRef>
+          </p:style>
+          <p:txBody>
+            <a:bodyPr rtlCol="0" anchor="ctr"/>
+            <a:lstStyle/>
+            <a:p>
+              <a:pPr algn="ctr"/>
+              <a:r>
+                <a:rPr lang="en-US" dirty="0"/>
+                <a:t>Requirement</a:t>
+              </a:r>
+            </a:p>
+          </p:txBody>
+        </p:sp>
+        <p:sp>
+          <p:nvSpPr>
+            <p:cNvPr id="38" name="Rectangle 37"/>
+            <p:cNvSpPr/>
+            <p:nvPr/>
+          </p:nvSpPr>
+          <p:spPr>
+            <a:xfrm>
+              <a:off x="838200" y="3101879"/>
+              <a:ext cx="2366818" cy="628073"/>
+            </a:xfrm>
+            <a:prstGeom prst="rect">
+              <a:avLst/>
+            </a:prstGeom>
+          </p:spPr>
+          <p:style>
+            <a:lnRef idx="2">
+              <a:schemeClr val="accent4">
+                <a:shade val="50000"/>
+              </a:schemeClr>
+            </a:lnRef>
+            <a:fillRef idx="1">
+              <a:schemeClr val="accent4"/>
+            </a:fillRef>
+            <a:effectRef idx="0">
+              <a:schemeClr val="accent4"/>
+            </a:effectRef>
+            <a:fontRef idx="minor">
+              <a:schemeClr val="lt1"/>
+            </a:fontRef>
+          </p:style>
+          <p:txBody>
+            <a:bodyPr rtlCol="0" anchor="ctr"/>
+            <a:lstStyle/>
+            <a:p>
+              <a:pPr algn="ctr"/>
+              <a:r>
+                <a:rPr lang="en-US" dirty="0"/>
+                <a:t>Design</a:t>
+              </a:r>
+            </a:p>
+          </p:txBody>
+        </p:sp>
+        <p:sp>
+          <p:nvSpPr>
+            <p:cNvPr id="39" name="Rectangle 38"/>
+            <p:cNvSpPr/>
+            <p:nvPr/>
+          </p:nvSpPr>
+          <p:spPr>
+            <a:xfrm>
+              <a:off x="838200" y="4023976"/>
+              <a:ext cx="2366818" cy="628073"/>
+            </a:xfrm>
+            <a:prstGeom prst="rect">
+              <a:avLst/>
+            </a:prstGeom>
+          </p:spPr>
+          <p:style>
+            <a:lnRef idx="2">
+              <a:schemeClr val="accent4">
+                <a:shade val="50000"/>
+              </a:schemeClr>
+            </a:lnRef>
+            <a:fillRef idx="1">
+              <a:schemeClr val="accent4"/>
+            </a:fillRef>
+            <a:effectRef idx="0">
+              <a:schemeClr val="accent4"/>
+            </a:effectRef>
+            <a:fontRef idx="minor">
+              <a:schemeClr val="lt1"/>
+            </a:fontRef>
+          </p:style>
+          <p:txBody>
+            <a:bodyPr rtlCol="0" anchor="ctr"/>
+            <a:lstStyle/>
+            <a:p>
+              <a:pPr algn="ctr"/>
+              <a:r>
+                <a:rPr lang="en-US" dirty="0"/>
+                <a:t>Coding</a:t>
+              </a:r>
+            </a:p>
+          </p:txBody>
+        </p:sp>
+        <p:sp>
+          <p:nvSpPr>
+            <p:cNvPr id="40" name="Rectangle 39"/>
+            <p:cNvSpPr/>
+            <p:nvPr/>
+          </p:nvSpPr>
+          <p:spPr>
+            <a:xfrm>
+              <a:off x="838200" y="4946073"/>
+              <a:ext cx="2366818" cy="628073"/>
+            </a:xfrm>
+            <a:prstGeom prst="rect">
+              <a:avLst/>
+            </a:prstGeom>
+          </p:spPr>
+          <p:style>
+            <a:lnRef idx="2">
+              <a:schemeClr val="accent4">
+                <a:shade val="50000"/>
+              </a:schemeClr>
+            </a:lnRef>
+            <a:fillRef idx="1">
+              <a:schemeClr val="accent4"/>
+            </a:fillRef>
+            <a:effectRef idx="0">
+              <a:schemeClr val="accent4"/>
+            </a:effectRef>
+            <a:fontRef idx="minor">
+              <a:schemeClr val="lt1"/>
+            </a:fontRef>
+          </p:style>
+          <p:txBody>
+            <a:bodyPr rtlCol="0" anchor="ctr"/>
+            <a:lstStyle/>
+            <a:p>
+              <a:pPr algn="ctr"/>
+              <a:r>
+                <a:rPr lang="en-US" dirty="0"/>
+                <a:t>Testing</a:t>
+              </a:r>
+            </a:p>
+          </p:txBody>
+        </p:sp>
+      </p:grpSp>
+      <p:cxnSp>
+        <p:nvCxnSpPr>
+          <p:cNvPr id="42" name="Straight Arrow Connector 41"/>
+          <p:cNvCxnSpPr>
+            <a:stCxn id="5" idx="3"/>
+            <a:endCxn id="24" idx="1"/>
+          </p:cNvCxnSpPr>
+          <p:nvPr/>
+        </p:nvCxnSpPr>
+        <p:spPr>
+          <a:xfrm>
+            <a:off x="2844800" y="4023519"/>
+            <a:ext cx="675795" cy="0"/>
+          </a:xfrm>
+          <a:prstGeom prst="straightConnector1">
+            <a:avLst/>
+          </a:prstGeom>
+          <a:ln>
+            <a:tailEnd type="triangle"/>
+          </a:ln>
+        </p:spPr>
+        <p:style>
+          <a:lnRef idx="1">
+            <a:schemeClr val="accent1"/>
+          </a:lnRef>
+          <a:fillRef idx="0">
+            <a:schemeClr val="accent1"/>
+          </a:fillRef>
+          <a:effectRef idx="0">
+            <a:schemeClr val="accent1"/>
+          </a:effectRef>
+          <a:fontRef idx="minor">
+            <a:schemeClr val="tx1"/>
+          </a:fontRef>
+        </p:style>
+      </p:cxnSp>
+      <p:cxnSp>
+        <p:nvCxnSpPr>
+          <p:cNvPr id="44" name="Straight Arrow Connector 43"/>
+          <p:cNvCxnSpPr>
+            <a:stCxn id="24" idx="3"/>
+            <a:endCxn id="30" idx="1"/>
+          </p:cNvCxnSpPr>
+          <p:nvPr/>
+        </p:nvCxnSpPr>
+        <p:spPr>
+          <a:xfrm>
+            <a:off x="5838921" y="4023519"/>
+            <a:ext cx="675795" cy="0"/>
+          </a:xfrm>
+          <a:prstGeom prst="straightConnector1">
+            <a:avLst/>
+          </a:prstGeom>
+          <a:ln>
+            <a:tailEnd type="triangle"/>
+          </a:ln>
+        </p:spPr>
+        <p:style>
+          <a:lnRef idx="1">
+            <a:schemeClr val="accent1"/>
+          </a:lnRef>
+          <a:fillRef idx="0">
+            <a:schemeClr val="accent1"/>
+          </a:fillRef>
+          <a:effectRef idx="0">
+            <a:schemeClr val="accent1"/>
+          </a:effectRef>
+          <a:fontRef idx="minor">
+            <a:schemeClr val="tx1"/>
+          </a:fontRef>
+        </p:style>
+      </p:cxnSp>
+      <p:cxnSp>
+        <p:nvCxnSpPr>
+          <p:cNvPr id="46" name="Straight Arrow Connector 45"/>
+          <p:cNvCxnSpPr>
+            <a:stCxn id="30" idx="3"/>
+            <a:endCxn id="36" idx="1"/>
+          </p:cNvCxnSpPr>
+          <p:nvPr/>
+        </p:nvCxnSpPr>
+        <p:spPr>
+          <a:xfrm>
+            <a:off x="8833042" y="4023519"/>
+            <a:ext cx="675796" cy="0"/>
+          </a:xfrm>
+          <a:prstGeom prst="straightConnector1">
+            <a:avLst/>
+          </a:prstGeom>
+          <a:ln>
+            <a:tailEnd type="triangle"/>
+          </a:ln>
+        </p:spPr>
+        <p:style>
+          <a:lnRef idx="1">
+            <a:schemeClr val="accent1"/>
+          </a:lnRef>
+          <a:fillRef idx="0">
+            <a:schemeClr val="accent1"/>
+          </a:fillRef>
+          <a:effectRef idx="0">
+            <a:schemeClr val="accent1"/>
+          </a:effectRef>
+          <a:fontRef idx="minor">
+            <a:schemeClr val="tx1"/>
+          </a:fontRef>
+        </p:style>
+      </p:cxnSp>
+      <p:sp>
+        <p:nvSpPr>
+          <p:cNvPr id="51" name="TextBox 50"/>
+          <p:cNvSpPr txBox="1"/>
+          <p:nvPr/>
+        </p:nvSpPr>
+        <p:spPr>
+          <a:xfrm>
+            <a:off x="1285303" y="1955500"/>
+            <a:ext cx="741998" cy="369332"/>
+          </a:xfrm>
+          <a:prstGeom prst="rect">
+            <a:avLst/>
+          </a:prstGeom>
+          <a:noFill/>
+        </p:spPr>
+        <p:txBody>
+          <a:bodyPr wrap="none" rtlCol="0">
+            <a:spAutoFit/>
           </a:bodyPr>
           <a:lstStyle/>
           <a:p>
             <a:r>
-              <a:rPr lang="en-US" dirty="0"/>
-              <a:t>Scrum Team</a:t>
-            </a:r>
-            <a:endParaRPr lang="zh-CN" altLang="en-US" dirty="0"/>
-          </a:p>
-          <a:p>
-            <a:pPr lvl="1">
-              <a:buFont typeface="Wingdings" panose="05000000000000000000" pitchFamily="2" charset="2"/>
-              <a:buChar char="Ø"/>
-            </a:pPr>
-            <a:r>
-              <a:rPr lang="en-US" dirty="0"/>
-              <a:t>A Product Owner</a:t>
-            </a:r>
-            <a:endParaRPr lang="en-US" altLang="zh-CN" dirty="0"/>
-          </a:p>
-          <a:p>
-            <a:pPr lvl="1">
-              <a:buFont typeface="Wingdings" panose="05000000000000000000" pitchFamily="2" charset="2"/>
-              <a:buChar char="Ø"/>
-            </a:pPr>
-            <a:r>
-              <a:rPr lang="en-US" dirty="0"/>
-              <a:t>Development Team</a:t>
-            </a:r>
-            <a:endParaRPr lang="zh-CN" altLang="en-US" dirty="0"/>
-          </a:p>
-          <a:p>
-            <a:pPr lvl="1">
-              <a:buFont typeface="Wingdings" panose="05000000000000000000" pitchFamily="2" charset="2"/>
-              <a:buChar char="Ø"/>
-            </a:pPr>
-            <a:r>
-              <a:rPr lang="en-US" dirty="0"/>
-              <a:t>A Scrum Master</a:t>
-            </a:r>
-            <a:endParaRPr lang="zh-CN" altLang="en-US" dirty="0"/>
-          </a:p>
-          <a:p>
-            <a:r>
-              <a:rPr lang="en-US" dirty="0"/>
-              <a:t>Scrum Events</a:t>
-            </a:r>
-            <a:endParaRPr lang="zh-CN" altLang="en-US" dirty="0"/>
-          </a:p>
-          <a:p>
-            <a:pPr lvl="1">
-              <a:buFont typeface="Wingdings" panose="05000000000000000000" pitchFamily="2" charset="2"/>
-              <a:buChar char="Ø"/>
-            </a:pPr>
-            <a:r>
-              <a:rPr lang="en-US" dirty="0"/>
-              <a:t>The Sprint</a:t>
-            </a:r>
-          </a:p>
-          <a:p>
-            <a:pPr lvl="1">
-              <a:buFont typeface="Wingdings" panose="05000000000000000000" pitchFamily="2" charset="2"/>
-              <a:buChar char="Ø"/>
-            </a:pPr>
-            <a:r>
-              <a:rPr lang="en-US" dirty="0"/>
-              <a:t>Sprint Planning</a:t>
-            </a:r>
-          </a:p>
-          <a:p>
-            <a:pPr lvl="1">
-              <a:buFont typeface="Wingdings" panose="05000000000000000000" pitchFamily="2" charset="2"/>
-              <a:buChar char="Ø"/>
-            </a:pPr>
-            <a:r>
-              <a:rPr lang="en-US" dirty="0"/>
-              <a:t>Daily Scrum</a:t>
-            </a:r>
-            <a:endParaRPr lang="zh-CN" altLang="en-US" dirty="0"/>
-          </a:p>
-          <a:p>
-            <a:pPr lvl="1">
-              <a:buFont typeface="Wingdings" panose="05000000000000000000" pitchFamily="2" charset="2"/>
-              <a:buChar char="Ø"/>
-            </a:pPr>
-            <a:r>
-              <a:rPr lang="en-US" dirty="0"/>
-              <a:t>Sprint Review</a:t>
-            </a:r>
-            <a:endParaRPr lang="zh-CN" altLang="en-US" dirty="0"/>
-          </a:p>
-          <a:p>
-            <a:pPr lvl="1">
-              <a:buFont typeface="Wingdings" panose="05000000000000000000" pitchFamily="2" charset="2"/>
-              <a:buChar char="Ø"/>
-            </a:pPr>
-            <a:r>
-              <a:rPr lang="en-US" dirty="0"/>
-              <a:t>Sprint Retrospective</a:t>
-            </a:r>
-            <a:endParaRPr lang="zh-CN" altLang="en-US" dirty="0"/>
-          </a:p>
-          <a:p>
-            <a:r>
-              <a:rPr lang="en-US" dirty="0"/>
-              <a:t>Scrum Artifacts</a:t>
-            </a:r>
-            <a:endParaRPr lang="zh-CN" altLang="en-US" dirty="0"/>
-          </a:p>
-          <a:p>
-            <a:pPr lvl="1">
-              <a:buFont typeface="Wingdings" panose="05000000000000000000" pitchFamily="2" charset="2"/>
-              <a:buChar char="Ø"/>
-            </a:pPr>
-            <a:r>
-              <a:rPr lang="en-US" dirty="0"/>
-              <a:t>Product Backlog</a:t>
-            </a:r>
-            <a:endParaRPr lang="zh-CN" altLang="en-US" dirty="0"/>
-          </a:p>
-          <a:p>
-            <a:pPr lvl="1">
-              <a:buFont typeface="Wingdings" panose="05000000000000000000" pitchFamily="2" charset="2"/>
-              <a:buChar char="Ø"/>
-            </a:pPr>
-            <a:r>
-              <a:rPr lang="en-US" dirty="0"/>
-              <a:t>Sprint Backlog</a:t>
-            </a:r>
-          </a:p>
-        </p:txBody>
-      </p:sp>
-      <p:sp>
-        <p:nvSpPr>
-          <p:cNvPr id="4" name="Slide Number Placeholder 3"/>
-          <p:cNvSpPr>
-            <a:spLocks noGrp="1"/>
-          </p:cNvSpPr>
-          <p:nvPr>
-            <p:ph type="sldNum" sz="quarter" idx="12"/>
-          </p:nvPr>
-        </p:nvSpPr>
-        <p:spPr/>
-        <p:txBody>
-          <a:bodyPr/>
-          <a:lstStyle/>
-          <a:p>
-            <a:r>
-              <a:rPr lang="en-US"/>
-              <a:t>http://www.garfieldwiki.com</a:t>
-            </a:r>
-            <a:endParaRPr lang="en-US" dirty="0"/>
+              <a:rPr lang="en-US" dirty="0">
+                <a:solidFill>
+                  <a:schemeClr val="bg1"/>
+                </a:solidFill>
+              </a:rPr>
+              <a:t>Sprint</a:t>
+            </a:r>
+          </a:p>
+        </p:txBody>
+      </p:sp>
+      <p:sp>
+        <p:nvSpPr>
+          <p:cNvPr id="52" name="TextBox 51"/>
+          <p:cNvSpPr txBox="1"/>
+          <p:nvPr/>
+        </p:nvSpPr>
+        <p:spPr>
+          <a:xfrm>
+            <a:off x="4308759" y="1960118"/>
+            <a:ext cx="741998" cy="369332"/>
+          </a:xfrm>
+          <a:prstGeom prst="rect">
+            <a:avLst/>
+          </a:prstGeom>
+          <a:noFill/>
+        </p:spPr>
+        <p:txBody>
+          <a:bodyPr wrap="none" rtlCol="0">
+            <a:spAutoFit/>
+          </a:bodyPr>
+          <a:lstStyle/>
+          <a:p>
+            <a:r>
+              <a:rPr lang="en-US" dirty="0">
+                <a:solidFill>
+                  <a:schemeClr val="bg1"/>
+                </a:solidFill>
+              </a:rPr>
+              <a:t>Sprint</a:t>
+            </a:r>
+          </a:p>
+        </p:txBody>
+      </p:sp>
+      <p:sp>
+        <p:nvSpPr>
+          <p:cNvPr id="53" name="TextBox 52"/>
+          <p:cNvSpPr txBox="1"/>
+          <p:nvPr/>
+        </p:nvSpPr>
+        <p:spPr>
+          <a:xfrm>
+            <a:off x="7302880" y="1950036"/>
+            <a:ext cx="741998" cy="369332"/>
+          </a:xfrm>
+          <a:prstGeom prst="rect">
+            <a:avLst/>
+          </a:prstGeom>
+          <a:noFill/>
+        </p:spPr>
+        <p:txBody>
+          <a:bodyPr wrap="none" rtlCol="0">
+            <a:spAutoFit/>
+          </a:bodyPr>
+          <a:lstStyle/>
+          <a:p>
+            <a:r>
+              <a:rPr lang="en-US" dirty="0">
+                <a:solidFill>
+                  <a:schemeClr val="bg1"/>
+                </a:solidFill>
+              </a:rPr>
+              <a:t>Sprint</a:t>
+            </a:r>
+          </a:p>
+        </p:txBody>
+      </p:sp>
+      <p:sp>
+        <p:nvSpPr>
+          <p:cNvPr id="54" name="TextBox 53"/>
+          <p:cNvSpPr txBox="1"/>
+          <p:nvPr/>
+        </p:nvSpPr>
+        <p:spPr>
+          <a:xfrm>
+            <a:off x="10297002" y="1950036"/>
+            <a:ext cx="741998" cy="369332"/>
+          </a:xfrm>
+          <a:prstGeom prst="rect">
+            <a:avLst/>
+          </a:prstGeom>
+          <a:noFill/>
+        </p:spPr>
+        <p:txBody>
+          <a:bodyPr wrap="none" rtlCol="0">
+            <a:spAutoFit/>
+          </a:bodyPr>
+          <a:lstStyle/>
+          <a:p>
+            <a:r>
+              <a:rPr lang="en-US" dirty="0">
+                <a:solidFill>
+                  <a:schemeClr val="bg1"/>
+                </a:solidFill>
+              </a:rPr>
+              <a:t>Sprint</a:t>
+            </a:r>
           </a:p>
         </p:txBody>
       </p:sp>
     </p:spTree>
     <p:extLst>
       <p:ext uri="{BB962C8B-B14F-4D97-AF65-F5344CB8AC3E}">
-        <p14:creationId xmlns:p14="http://schemas.microsoft.com/office/powerpoint/2010/main" val="1210111394"/>
+        <p14:creationId xmlns:p14="http://schemas.microsoft.com/office/powerpoint/2010/main" val="1556957858"/>
       </p:ext>
     </p:extLst>
   </p:cSld>
@@ -3986,6 +4988,227 @@
           </a:p>
         </p:txBody>
       </p:sp>
+      <p:sp>
+        <p:nvSpPr>
+          <p:cNvPr id="3" name="Content Placeholder 2"/>
+          <p:cNvSpPr>
+            <a:spLocks noGrp="1"/>
+          </p:cNvSpPr>
+          <p:nvPr>
+            <p:ph idx="1"/>
+          </p:nvPr>
+        </p:nvSpPr>
+        <p:spPr/>
+        <p:txBody>
+          <a:bodyPr>
+            <a:normAutofit fontScale="92500" lnSpcReduction="20000"/>
+          </a:bodyPr>
+          <a:lstStyle/>
+          <a:p>
+            <a:r>
+              <a:rPr lang="en-US" dirty="0"/>
+              <a:t>Scrum Team</a:t>
+            </a:r>
+            <a:endParaRPr lang="zh-CN" altLang="en-US" dirty="0"/>
+          </a:p>
+          <a:p>
+            <a:pPr lvl="1">
+              <a:buFont typeface="Wingdings" panose="05000000000000000000" pitchFamily="2" charset="2"/>
+              <a:buChar char="Ø"/>
+            </a:pPr>
+            <a:r>
+              <a:rPr lang="en-US" dirty="0"/>
+              <a:t>A Product Owner</a:t>
+            </a:r>
+            <a:endParaRPr lang="en-US" altLang="zh-CN" dirty="0"/>
+          </a:p>
+          <a:p>
+            <a:pPr lvl="1">
+              <a:buFont typeface="Wingdings" panose="05000000000000000000" pitchFamily="2" charset="2"/>
+              <a:buChar char="Ø"/>
+            </a:pPr>
+            <a:r>
+              <a:rPr lang="en-US" dirty="0"/>
+              <a:t>Development Team</a:t>
+            </a:r>
+            <a:endParaRPr lang="zh-CN" altLang="en-US" dirty="0"/>
+          </a:p>
+          <a:p>
+            <a:pPr lvl="1">
+              <a:buFont typeface="Wingdings" panose="05000000000000000000" pitchFamily="2" charset="2"/>
+              <a:buChar char="Ø"/>
+            </a:pPr>
+            <a:r>
+              <a:rPr lang="en-US" dirty="0"/>
+              <a:t>A Scrum Master</a:t>
+            </a:r>
+            <a:endParaRPr lang="zh-CN" altLang="en-US" dirty="0"/>
+          </a:p>
+          <a:p>
+            <a:r>
+              <a:rPr lang="en-US" dirty="0"/>
+              <a:t>Scrum Events</a:t>
+            </a:r>
+            <a:endParaRPr lang="zh-CN" altLang="en-US" dirty="0"/>
+          </a:p>
+          <a:p>
+            <a:pPr lvl="1">
+              <a:buFont typeface="Wingdings" panose="05000000000000000000" pitchFamily="2" charset="2"/>
+              <a:buChar char="Ø"/>
+            </a:pPr>
+            <a:r>
+              <a:rPr lang="en-US" dirty="0"/>
+              <a:t>The Sprint</a:t>
+            </a:r>
+          </a:p>
+          <a:p>
+            <a:pPr lvl="1">
+              <a:buFont typeface="Wingdings" panose="05000000000000000000" pitchFamily="2" charset="2"/>
+              <a:buChar char="Ø"/>
+            </a:pPr>
+            <a:r>
+              <a:rPr lang="en-US" dirty="0"/>
+              <a:t>Sprint Planning</a:t>
+            </a:r>
+          </a:p>
+          <a:p>
+            <a:pPr lvl="1">
+              <a:buFont typeface="Wingdings" panose="05000000000000000000" pitchFamily="2" charset="2"/>
+              <a:buChar char="Ø"/>
+            </a:pPr>
+            <a:r>
+              <a:rPr lang="en-US" dirty="0"/>
+              <a:t>Daily Scrum</a:t>
+            </a:r>
+            <a:endParaRPr lang="zh-CN" altLang="en-US" dirty="0"/>
+          </a:p>
+          <a:p>
+            <a:pPr lvl="1">
+              <a:buFont typeface="Wingdings" panose="05000000000000000000" pitchFamily="2" charset="2"/>
+              <a:buChar char="Ø"/>
+            </a:pPr>
+            <a:r>
+              <a:rPr lang="en-US" dirty="0"/>
+              <a:t>Sprint Review</a:t>
+            </a:r>
+            <a:endParaRPr lang="zh-CN" altLang="en-US" dirty="0"/>
+          </a:p>
+          <a:p>
+            <a:pPr lvl="1">
+              <a:buFont typeface="Wingdings" panose="05000000000000000000" pitchFamily="2" charset="2"/>
+              <a:buChar char="Ø"/>
+            </a:pPr>
+            <a:r>
+              <a:rPr lang="en-US" dirty="0"/>
+              <a:t>Sprint Retrospective</a:t>
+            </a:r>
+            <a:endParaRPr lang="zh-CN" altLang="en-US" dirty="0"/>
+          </a:p>
+          <a:p>
+            <a:r>
+              <a:rPr lang="en-US" dirty="0"/>
+              <a:t>Scrum Artifacts</a:t>
+            </a:r>
+            <a:endParaRPr lang="zh-CN" altLang="en-US" dirty="0"/>
+          </a:p>
+          <a:p>
+            <a:pPr lvl="1">
+              <a:buFont typeface="Wingdings" panose="05000000000000000000" pitchFamily="2" charset="2"/>
+              <a:buChar char="Ø"/>
+            </a:pPr>
+            <a:r>
+              <a:rPr lang="en-US" dirty="0"/>
+              <a:t>Product Backlog</a:t>
+            </a:r>
+            <a:endParaRPr lang="zh-CN" altLang="en-US" dirty="0"/>
+          </a:p>
+          <a:p>
+            <a:pPr lvl="1">
+              <a:buFont typeface="Wingdings" panose="05000000000000000000" pitchFamily="2" charset="2"/>
+              <a:buChar char="Ø"/>
+            </a:pPr>
+            <a:r>
+              <a:rPr lang="en-US" dirty="0"/>
+              <a:t>Sprint Backlog</a:t>
+            </a:r>
+          </a:p>
+        </p:txBody>
+      </p:sp>
+      <p:sp>
+        <p:nvSpPr>
+          <p:cNvPr id="4" name="Slide Number Placeholder 3"/>
+          <p:cNvSpPr>
+            <a:spLocks noGrp="1"/>
+          </p:cNvSpPr>
+          <p:nvPr>
+            <p:ph type="sldNum" sz="quarter" idx="12"/>
+          </p:nvPr>
+        </p:nvSpPr>
+        <p:spPr/>
+        <p:txBody>
+          <a:bodyPr/>
+          <a:lstStyle/>
+          <a:p>
+            <a:r>
+              <a:rPr lang="en-US"/>
+              <a:t>http://www.garfieldwiki.com</a:t>
+            </a:r>
+            <a:endParaRPr lang="en-US" dirty="0"/>
+          </a:p>
+        </p:txBody>
+      </p:sp>
+    </p:spTree>
+    <p:extLst>
+      <p:ext uri="{BB962C8B-B14F-4D97-AF65-F5344CB8AC3E}">
+        <p14:creationId xmlns:p14="http://schemas.microsoft.com/office/powerpoint/2010/main" val="1210111394"/>
+      </p:ext>
+    </p:extLst>
+  </p:cSld>
+  <p:clrMapOvr>
+    <a:masterClrMapping/>
+  </p:clrMapOvr>
+</p:sld>
+</file>
+
+<file path=ppt/slides/slide5.xml><?xml version="1.0" encoding="utf-8"?>
+<p:sld xmlns:a="http://schemas.openxmlformats.org/drawingml/2006/main" xmlns:r="http://schemas.openxmlformats.org/officeDocument/2006/relationships" xmlns:p="http://schemas.openxmlformats.org/presentationml/2006/main">
+  <p:cSld>
+    <p:spTree>
+      <p:nvGrpSpPr>
+        <p:cNvPr id="1" name=""/>
+        <p:cNvGrpSpPr/>
+        <p:nvPr/>
+      </p:nvGrpSpPr>
+      <p:grpSpPr>
+        <a:xfrm>
+          <a:off x="0" y="0"/>
+          <a:ext cx="0" cy="0"/>
+          <a:chOff x="0" y="0"/>
+          <a:chExt cx="0" cy="0"/>
+        </a:xfrm>
+      </p:grpSpPr>
+      <p:sp>
+        <p:nvSpPr>
+          <p:cNvPr id="2" name="Title 1"/>
+          <p:cNvSpPr>
+            <a:spLocks noGrp="1"/>
+          </p:cNvSpPr>
+          <p:nvPr>
+            <p:ph type="title"/>
+          </p:nvPr>
+        </p:nvSpPr>
+        <p:spPr/>
+        <p:txBody>
+          <a:bodyPr/>
+          <a:lstStyle/>
+          <a:p>
+            <a:r>
+              <a:rPr lang="en-US" dirty="0"/>
+              <a:t>Scrum</a:t>
+            </a:r>
+          </a:p>
+        </p:txBody>
+      </p:sp>
       <p:pic>
         <p:nvPicPr>
           <p:cNvPr id="4" name="Content Placeholder 3"/>
@@ -4051,7 +5274,7 @@
 </p:sld>
 </file>
 
-<file path=ppt/slides/slide5.xml><?xml version="1.0" encoding="utf-8"?>
+<file path=ppt/slides/slide6.xml><?xml version="1.0" encoding="utf-8"?>
 <p:sld xmlns:a="http://schemas.openxmlformats.org/drawingml/2006/main" xmlns:r="http://schemas.openxmlformats.org/officeDocument/2006/relationships" xmlns:p="http://schemas.openxmlformats.org/presentationml/2006/main">
   <p:cSld>
     <p:spTree>
@@ -4207,7 +5430,7 @@
 </p:sld>
 </file>
 
-<file path=ppt/slides/slide6.xml><?xml version="1.0" encoding="utf-8"?>
+<file path=ppt/slides/slide7.xml><?xml version="1.0" encoding="utf-8"?>
 <p:sld xmlns:a="http://schemas.openxmlformats.org/drawingml/2006/main" xmlns:r="http://schemas.openxmlformats.org/officeDocument/2006/relationships" xmlns:p="http://schemas.openxmlformats.org/presentationml/2006/main">
   <p:cSld>
     <p:spTree>
@@ -4287,7 +5510,7 @@
 </p:sld>
 </file>
 
-<file path=ppt/slides/slide7.xml><?xml version="1.0" encoding="utf-8"?>
+<file path=ppt/slides/slide8.xml><?xml version="1.0" encoding="utf-8"?>
 <p:sld xmlns:a="http://schemas.openxmlformats.org/drawingml/2006/main" xmlns:r="http://schemas.openxmlformats.org/officeDocument/2006/relationships" xmlns:p="http://schemas.openxmlformats.org/presentationml/2006/main">
   <p:cSld>
     <p:spTree>

--- a/agile/SCRUM-TDD.pptx
+++ b/agile/SCRUM-TDD.pptx
@@ -5,17 +5,19 @@
     <p:sldMasterId id="2147483737" r:id="rId1"/>
   </p:sldMasterIdLst>
   <p:notesMasterIdLst>
-    <p:notesMasterId r:id="rId10"/>
+    <p:notesMasterId r:id="rId12"/>
   </p:notesMasterIdLst>
   <p:sldIdLst>
     <p:sldId id="256" r:id="rId2"/>
-    <p:sldId id="261" r:id="rId3"/>
-    <p:sldId id="263" r:id="rId4"/>
-    <p:sldId id="257" r:id="rId5"/>
-    <p:sldId id="258" r:id="rId6"/>
-    <p:sldId id="262" r:id="rId7"/>
-    <p:sldId id="260" r:id="rId8"/>
-    <p:sldId id="259" r:id="rId9"/>
+    <p:sldId id="264" r:id="rId3"/>
+    <p:sldId id="265" r:id="rId4"/>
+    <p:sldId id="266" r:id="rId5"/>
+    <p:sldId id="267" r:id="rId6"/>
+    <p:sldId id="268" r:id="rId7"/>
+    <p:sldId id="270" r:id="rId8"/>
+    <p:sldId id="269" r:id="rId9"/>
+    <p:sldId id="262" r:id="rId10"/>
+    <p:sldId id="260" r:id="rId11"/>
   </p:sldIdLst>
   <p:sldSz cx="12192000" cy="6858000"/>
   <p:notesSz cx="6858000" cy="9144000"/>
@@ -204,7 +206,7 @@
           <a:p>
             <a:fld id="{64AA49B1-1666-4DC4-BC23-C568ABEE6969}" type="datetimeFigureOut">
               <a:rPr lang="en-US" smtClean="0"/>
-              <a:t>8/18/2017</a:t>
+              <a:t>8/18/17</a:t>
             </a:fld>
             <a:endParaRPr lang="en-US"/>
           </a:p>
@@ -608,7 +610,7 @@
           <a:p>
             <a:fld id="{0BBBEC0D-35D3-41A3-917F-9DA0A4837984}" type="datetime1">
               <a:rPr lang="en-US" smtClean="0"/>
-              <a:t>8/18/2017</a:t>
+              <a:t>8/18/17</a:t>
             </a:fld>
             <a:endParaRPr lang="en-US"/>
           </a:p>
@@ -823,7 +825,7 @@
           <a:p>
             <a:fld id="{2A01AC13-79C1-4D8C-BBC7-7C4F7175D6CA}" type="datetime1">
               <a:rPr lang="en-US" smtClean="0"/>
-              <a:t>8/18/2017</a:t>
+              <a:t>8/18/17</a:t>
             </a:fld>
             <a:endParaRPr lang="en-US"/>
           </a:p>
@@ -1018,7 +1020,7 @@
           <a:p>
             <a:fld id="{97E35274-23C4-4762-A1E3-9D8CBA0442ED}" type="datetime1">
               <a:rPr lang="en-US" smtClean="0"/>
-              <a:t>8/18/2017</a:t>
+              <a:t>8/18/17</a:t>
             </a:fld>
             <a:endParaRPr lang="en-US"/>
           </a:p>
@@ -1203,7 +1205,7 @@
           <a:p>
             <a:fld id="{DE774422-7354-466A-8059-7DD366FAFB4A}" type="datetime1">
               <a:rPr lang="en-US" smtClean="0"/>
-              <a:t>8/18/2017</a:t>
+              <a:t>8/18/17</a:t>
             </a:fld>
             <a:endParaRPr lang="en-US"/>
           </a:p>
@@ -1495,7 +1497,7 @@
           <a:p>
             <a:fld id="{F1EFC449-41D5-4078-AD41-DF65AFF1725D}" type="datetime1">
               <a:rPr lang="en-US" smtClean="0"/>
-              <a:t>8/18/2017</a:t>
+              <a:t>8/18/17</a:t>
             </a:fld>
             <a:endParaRPr lang="en-US"/>
           </a:p>
@@ -1723,7 +1725,7 @@
           <a:p>
             <a:fld id="{DC6B2807-2324-41ED-BBC3-6F60C4DD448E}" type="datetime1">
               <a:rPr lang="en-US" smtClean="0"/>
-              <a:t>8/18/2017</a:t>
+              <a:t>8/18/17</a:t>
             </a:fld>
             <a:endParaRPr lang="en-US"/>
           </a:p>
@@ -2086,7 +2088,7 @@
           <a:p>
             <a:fld id="{6AFF9FBE-E42E-4DB3-917B-D4DA624799DA}" type="datetime1">
               <a:rPr lang="en-US" smtClean="0"/>
-              <a:t>8/18/2017</a:t>
+              <a:t>8/18/17</a:t>
             </a:fld>
             <a:endParaRPr lang="en-US"/>
           </a:p>
@@ -2220,7 +2222,7 @@
           <a:p>
             <a:fld id="{C31A4AFC-3F84-4B30-B65C-133FF01F0840}" type="datetime1">
               <a:rPr lang="en-US" smtClean="0"/>
-              <a:t>8/18/2017</a:t>
+              <a:t>8/18/17</a:t>
             </a:fld>
             <a:endParaRPr lang="en-US"/>
           </a:p>
@@ -2332,7 +2334,7 @@
           <a:p>
             <a:fld id="{1E8D1855-A2ED-4898-8109-988DB163A083}" type="datetime1">
               <a:rPr lang="en-US" smtClean="0"/>
-              <a:t>8/18/2017</a:t>
+              <a:t>8/18/17</a:t>
             </a:fld>
             <a:endParaRPr lang="en-US"/>
           </a:p>
@@ -2624,7 +2626,7 @@
           <a:p>
             <a:fld id="{B2CC9D2E-4328-4A5E-BB0C-29E1D66B54DC}" type="datetime1">
               <a:rPr lang="en-US" smtClean="0"/>
-              <a:t>8/18/2017</a:t>
+              <a:t>8/18/17</a:t>
             </a:fld>
             <a:endParaRPr lang="en-US"/>
           </a:p>
@@ -2875,7 +2877,7 @@
           <a:p>
             <a:fld id="{41098501-9C94-4FEC-B8FD-E40E8623F674}" type="datetime1">
               <a:rPr lang="en-US" smtClean="0"/>
-              <a:t>8/18/2017</a:t>
+              <a:t>8/18/17</a:t>
             </a:fld>
             <a:endParaRPr lang="en-US"/>
           </a:p>
@@ -3103,7 +3105,7 @@
           <a:p>
             <a:fld id="{7B84A6A7-B443-4B45-9999-5949BD8675A8}" type="datetime1">
               <a:rPr lang="en-US" smtClean="0"/>
-              <a:t>8/18/2017</a:t>
+              <a:t>8/18/17</a:t>
             </a:fld>
             <a:endParaRPr lang="en-US"/>
           </a:p>
@@ -3614,6 +3616,100 @@
   <p:clrMapOvr>
     <a:masterClrMapping/>
   </p:clrMapOvr>
+  <p:timing>
+    <p:tnLst>
+      <p:par>
+        <p:cTn id="1" dur="indefinite" restart="never" nodeType="tmRoot"/>
+      </p:par>
+    </p:tnLst>
+  </p:timing>
+</p:sld>
+</file>
+
+<file path=ppt/slides/slide10.xml><?xml version="1.0" encoding="utf-8"?>
+<p:sld xmlns:a="http://schemas.openxmlformats.org/drawingml/2006/main" xmlns:r="http://schemas.openxmlformats.org/officeDocument/2006/relationships" xmlns:p="http://schemas.openxmlformats.org/presentationml/2006/main">
+  <p:cSld>
+    <p:spTree>
+      <p:nvGrpSpPr>
+        <p:cNvPr id="1" name=""/>
+        <p:cNvGrpSpPr/>
+        <p:nvPr/>
+      </p:nvGrpSpPr>
+      <p:grpSpPr>
+        <a:xfrm>
+          <a:off x="0" y="0"/>
+          <a:ext cx="0" cy="0"/>
+          <a:chOff x="0" y="0"/>
+          <a:chExt cx="0" cy="0"/>
+        </a:xfrm>
+      </p:grpSpPr>
+      <p:sp>
+        <p:nvSpPr>
+          <p:cNvPr id="4" name="Title 3"/>
+          <p:cNvSpPr>
+            <a:spLocks noGrp="1"/>
+          </p:cNvSpPr>
+          <p:nvPr>
+            <p:ph type="ctrTitle"/>
+          </p:nvPr>
+        </p:nvSpPr>
+        <p:spPr>
+          <a:xfrm>
+            <a:off x="1266825" y="1693863"/>
+            <a:ext cx="9144000" cy="2387600"/>
+          </a:xfrm>
+        </p:spPr>
+        <p:txBody>
+          <a:bodyPr/>
+          <a:lstStyle/>
+          <a:p>
+            <a:r>
+              <a:rPr lang="en-US" dirty="0"/>
+              <a:t>Thanks</a:t>
+            </a:r>
+          </a:p>
+        </p:txBody>
+      </p:sp>
+      <p:sp>
+        <p:nvSpPr>
+          <p:cNvPr id="2" name="Slide Number Placeholder 1"/>
+          <p:cNvSpPr>
+            <a:spLocks noGrp="1"/>
+          </p:cNvSpPr>
+          <p:nvPr>
+            <p:ph type="sldNum" sz="quarter" idx="12"/>
+          </p:nvPr>
+        </p:nvSpPr>
+        <p:spPr/>
+        <p:txBody>
+          <a:bodyPr/>
+          <a:lstStyle/>
+          <a:p>
+            <a:r>
+              <a:rPr lang="en-US"/>
+              <a:t>http://www.garfieldwiki.com</a:t>
+            </a:r>
+            <a:endParaRPr lang="en-US" dirty="0"/>
+          </a:p>
+        </p:txBody>
+      </p:sp>
+    </p:spTree>
+    <p:extLst>
+      <p:ext uri="{BB962C8B-B14F-4D97-AF65-F5344CB8AC3E}">
+        <p14:creationId xmlns:p14="http://schemas.microsoft.com/office/powerpoint/2010/main" val="2237206585"/>
+      </p:ext>
+    </p:extLst>
+  </p:cSld>
+  <p:clrMapOvr>
+    <a:masterClrMapping/>
+  </p:clrMapOvr>
+  <p:timing>
+    <p:tnLst>
+      <p:par>
+        <p:cTn id="1" dur="indefinite" restart="never" nodeType="tmRoot"/>
+      </p:par>
+    </p:tnLst>
+  </p:timing>
 </p:sld>
 </file>
 
@@ -3650,20 +3746,21 @@
           <a:lstStyle/>
           <a:p>
             <a:r>
-              <a:rPr lang="en-US" dirty="0"/>
-              <a:t>Scrum</a:t>
-            </a:r>
-          </a:p>
-        </p:txBody>
-      </p:sp>
-      <p:sp>
-        <p:nvSpPr>
-          <p:cNvPr id="3" name="Content Placeholder 2"/>
-          <p:cNvSpPr>
-            <a:spLocks noGrp="1"/>
-          </p:cNvSpPr>
-          <p:nvPr>
-            <p:ph idx="1"/>
+              <a:rPr lang="en-US" altLang="zh-CN" dirty="0" smtClean="0"/>
+              <a:t>Waterfall</a:t>
+            </a:r>
+            <a:endParaRPr lang="en-US" dirty="0"/>
+          </a:p>
+        </p:txBody>
+      </p:sp>
+      <p:sp>
+        <p:nvSpPr>
+          <p:cNvPr id="4" name="Slide Number Placeholder 3"/>
+          <p:cNvSpPr>
+            <a:spLocks noGrp="1"/>
+          </p:cNvSpPr>
+          <p:nvPr>
+            <p:ph type="sldNum" sz="quarter" idx="12"/>
           </p:nvPr>
         </p:nvSpPr>
         <p:spPr/>
@@ -3672,57 +3769,394 @@
           <a:lstStyle/>
           <a:p>
             <a:r>
-              <a:rPr lang="en-US" dirty="0"/>
-              <a:t>Founded on empirical process control</a:t>
-            </a:r>
-          </a:p>
-          <a:p>
-            <a:r>
-              <a:rPr lang="en-US" dirty="0"/>
-              <a:t>Iterative </a:t>
-            </a:r>
-          </a:p>
-          <a:p>
-            <a:r>
-              <a:rPr lang="en-US" dirty="0"/>
-              <a:t>Incremental approach</a:t>
-            </a:r>
-          </a:p>
-        </p:txBody>
-      </p:sp>
-      <p:sp>
-        <p:nvSpPr>
-          <p:cNvPr id="4" name="Slide Number Placeholder 3"/>
-          <p:cNvSpPr>
-            <a:spLocks noGrp="1"/>
-          </p:cNvSpPr>
-          <p:nvPr>
-            <p:ph type="sldNum" sz="quarter" idx="12"/>
-          </p:nvPr>
-        </p:nvSpPr>
-        <p:spPr/>
-        <p:txBody>
-          <a:bodyPr/>
+              <a:rPr lang="en-US" smtClean="0"/>
+              <a:t>http://www.garfieldwiki.com</a:t>
+            </a:r>
+            <a:endParaRPr lang="en-US" dirty="0"/>
+          </a:p>
+        </p:txBody>
+      </p:sp>
+      <p:sp>
+        <p:nvSpPr>
+          <p:cNvPr id="5" name="Rounded Rectangle 4"/>
+          <p:cNvSpPr/>
+          <p:nvPr/>
+        </p:nvSpPr>
+        <p:spPr>
+          <a:xfrm>
+            <a:off x="751114" y="1690688"/>
+            <a:ext cx="1905000" cy="715055"/>
+          </a:xfrm>
+          <a:prstGeom prst="roundRect">
+            <a:avLst/>
+          </a:prstGeom>
+        </p:spPr>
+        <p:style>
+          <a:lnRef idx="2">
+            <a:schemeClr val="accent1">
+              <a:shade val="50000"/>
+            </a:schemeClr>
+          </a:lnRef>
+          <a:fillRef idx="1">
+            <a:schemeClr val="accent1"/>
+          </a:fillRef>
+          <a:effectRef idx="0">
+            <a:schemeClr val="accent1"/>
+          </a:effectRef>
+          <a:fontRef idx="minor">
+            <a:schemeClr val="lt1"/>
+          </a:fontRef>
+        </p:style>
+        <p:txBody>
+          <a:bodyPr rtlCol="0" anchor="ctr"/>
           <a:lstStyle/>
           <a:p>
-            <a:r>
-              <a:rPr lang="en-US"/>
-              <a:t>http://www.garfieldwiki.com</a:t>
+            <a:pPr algn="ctr"/>
+            <a:r>
+              <a:rPr lang="en-US" dirty="0" smtClean="0"/>
+              <a:t>Plan</a:t>
             </a:r>
             <a:endParaRPr lang="en-US" dirty="0"/>
           </a:p>
         </p:txBody>
       </p:sp>
+      <p:sp>
+        <p:nvSpPr>
+          <p:cNvPr id="9" name="Rounded Rectangle 8"/>
+          <p:cNvSpPr/>
+          <p:nvPr/>
+        </p:nvSpPr>
+        <p:spPr>
+          <a:xfrm>
+            <a:off x="2993571" y="2405743"/>
+            <a:ext cx="1905000" cy="715055"/>
+          </a:xfrm>
+          <a:prstGeom prst="roundRect">
+            <a:avLst/>
+          </a:prstGeom>
+        </p:spPr>
+        <p:style>
+          <a:lnRef idx="2">
+            <a:schemeClr val="accent1">
+              <a:shade val="50000"/>
+            </a:schemeClr>
+          </a:lnRef>
+          <a:fillRef idx="1">
+            <a:schemeClr val="accent1"/>
+          </a:fillRef>
+          <a:effectRef idx="0">
+            <a:schemeClr val="accent1"/>
+          </a:effectRef>
+          <a:fontRef idx="minor">
+            <a:schemeClr val="lt1"/>
+          </a:fontRef>
+        </p:style>
+        <p:txBody>
+          <a:bodyPr rtlCol="0" anchor="ctr"/>
+          <a:lstStyle/>
+          <a:p>
+            <a:pPr algn="ctr"/>
+            <a:r>
+              <a:rPr lang="en-US" dirty="0" smtClean="0"/>
+              <a:t>Build</a:t>
+            </a:r>
+            <a:endParaRPr lang="en-US" dirty="0"/>
+          </a:p>
+        </p:txBody>
+      </p:sp>
+      <p:sp>
+        <p:nvSpPr>
+          <p:cNvPr id="10" name="Rounded Rectangle 9"/>
+          <p:cNvSpPr/>
+          <p:nvPr/>
+        </p:nvSpPr>
+        <p:spPr>
+          <a:xfrm>
+            <a:off x="5236028" y="3120798"/>
+            <a:ext cx="1905000" cy="715055"/>
+          </a:xfrm>
+          <a:prstGeom prst="roundRect">
+            <a:avLst/>
+          </a:prstGeom>
+        </p:spPr>
+        <p:style>
+          <a:lnRef idx="2">
+            <a:schemeClr val="accent1">
+              <a:shade val="50000"/>
+            </a:schemeClr>
+          </a:lnRef>
+          <a:fillRef idx="1">
+            <a:schemeClr val="accent1"/>
+          </a:fillRef>
+          <a:effectRef idx="0">
+            <a:schemeClr val="accent1"/>
+          </a:effectRef>
+          <a:fontRef idx="minor">
+            <a:schemeClr val="lt1"/>
+          </a:fontRef>
+        </p:style>
+        <p:txBody>
+          <a:bodyPr rtlCol="0" anchor="ctr"/>
+          <a:lstStyle/>
+          <a:p>
+            <a:pPr algn="ctr"/>
+            <a:r>
+              <a:rPr lang="en-US" dirty="0" smtClean="0"/>
+              <a:t>Test</a:t>
+            </a:r>
+            <a:endParaRPr lang="en-US" dirty="0"/>
+          </a:p>
+        </p:txBody>
+      </p:sp>
+      <p:sp>
+        <p:nvSpPr>
+          <p:cNvPr id="11" name="Rounded Rectangle 10"/>
+          <p:cNvSpPr/>
+          <p:nvPr/>
+        </p:nvSpPr>
+        <p:spPr>
+          <a:xfrm>
+            <a:off x="7478485" y="3835853"/>
+            <a:ext cx="1905000" cy="715055"/>
+          </a:xfrm>
+          <a:prstGeom prst="roundRect">
+            <a:avLst/>
+          </a:prstGeom>
+        </p:spPr>
+        <p:style>
+          <a:lnRef idx="2">
+            <a:schemeClr val="accent1">
+              <a:shade val="50000"/>
+            </a:schemeClr>
+          </a:lnRef>
+          <a:fillRef idx="1">
+            <a:schemeClr val="accent1"/>
+          </a:fillRef>
+          <a:effectRef idx="0">
+            <a:schemeClr val="accent1"/>
+          </a:effectRef>
+          <a:fontRef idx="minor">
+            <a:schemeClr val="lt1"/>
+          </a:fontRef>
+        </p:style>
+        <p:txBody>
+          <a:bodyPr rtlCol="0" anchor="ctr"/>
+          <a:lstStyle/>
+          <a:p>
+            <a:pPr algn="ctr"/>
+            <a:r>
+              <a:rPr lang="en-US" dirty="0" smtClean="0"/>
+              <a:t>Review</a:t>
+            </a:r>
+            <a:endParaRPr lang="en-US" dirty="0"/>
+          </a:p>
+        </p:txBody>
+      </p:sp>
+      <p:sp>
+        <p:nvSpPr>
+          <p:cNvPr id="12" name="Rounded Rectangle 11"/>
+          <p:cNvSpPr/>
+          <p:nvPr/>
+        </p:nvSpPr>
+        <p:spPr>
+          <a:xfrm>
+            <a:off x="9720941" y="4550908"/>
+            <a:ext cx="1905000" cy="715055"/>
+          </a:xfrm>
+          <a:prstGeom prst="roundRect">
+            <a:avLst/>
+          </a:prstGeom>
+        </p:spPr>
+        <p:style>
+          <a:lnRef idx="2">
+            <a:schemeClr val="accent1">
+              <a:shade val="50000"/>
+            </a:schemeClr>
+          </a:lnRef>
+          <a:fillRef idx="1">
+            <a:schemeClr val="accent1"/>
+          </a:fillRef>
+          <a:effectRef idx="0">
+            <a:schemeClr val="accent1"/>
+          </a:effectRef>
+          <a:fontRef idx="minor">
+            <a:schemeClr val="lt1"/>
+          </a:fontRef>
+        </p:style>
+        <p:txBody>
+          <a:bodyPr rtlCol="0" anchor="ctr"/>
+          <a:lstStyle/>
+          <a:p>
+            <a:pPr algn="ctr"/>
+            <a:r>
+              <a:rPr lang="en-US" dirty="0" smtClean="0"/>
+              <a:t>Deploy</a:t>
+            </a:r>
+            <a:endParaRPr lang="en-US" dirty="0"/>
+          </a:p>
+        </p:txBody>
+      </p:sp>
+      <p:cxnSp>
+        <p:nvCxnSpPr>
+          <p:cNvPr id="24" name="Elbow Connector 23"/>
+          <p:cNvCxnSpPr>
+            <a:stCxn id="9" idx="1"/>
+            <a:endCxn id="5" idx="2"/>
+          </p:cNvCxnSpPr>
+          <p:nvPr/>
+        </p:nvCxnSpPr>
+        <p:spPr>
+          <a:xfrm rot="10800000">
+            <a:off x="1703615" y="2405743"/>
+            <a:ext cx="1289957" cy="357528"/>
+          </a:xfrm>
+          <a:prstGeom prst="bentConnector2">
+            <a:avLst/>
+          </a:prstGeom>
+          <a:ln>
+            <a:tailEnd type="triangle"/>
+          </a:ln>
+        </p:spPr>
+        <p:style>
+          <a:lnRef idx="1">
+            <a:schemeClr val="accent1"/>
+          </a:lnRef>
+          <a:fillRef idx="0">
+            <a:schemeClr val="accent1"/>
+          </a:fillRef>
+          <a:effectRef idx="0">
+            <a:schemeClr val="accent1"/>
+          </a:effectRef>
+          <a:fontRef idx="minor">
+            <a:schemeClr val="tx1"/>
+          </a:fontRef>
+        </p:style>
+      </p:cxnSp>
+      <p:cxnSp>
+        <p:nvCxnSpPr>
+          <p:cNvPr id="26" name="Elbow Connector 25"/>
+          <p:cNvCxnSpPr>
+            <a:stCxn id="10" idx="1"/>
+            <a:endCxn id="9" idx="2"/>
+          </p:cNvCxnSpPr>
+          <p:nvPr/>
+        </p:nvCxnSpPr>
+        <p:spPr>
+          <a:xfrm rot="10800000">
+            <a:off x="3946072" y="3120798"/>
+            <a:ext cx="1289957" cy="357528"/>
+          </a:xfrm>
+          <a:prstGeom prst="bentConnector2">
+            <a:avLst/>
+          </a:prstGeom>
+          <a:ln>
+            <a:tailEnd type="triangle"/>
+          </a:ln>
+        </p:spPr>
+        <p:style>
+          <a:lnRef idx="1">
+            <a:schemeClr val="accent1"/>
+          </a:lnRef>
+          <a:fillRef idx="0">
+            <a:schemeClr val="accent1"/>
+          </a:fillRef>
+          <a:effectRef idx="0">
+            <a:schemeClr val="accent1"/>
+          </a:effectRef>
+          <a:fontRef idx="minor">
+            <a:schemeClr val="tx1"/>
+          </a:fontRef>
+        </p:style>
+      </p:cxnSp>
+      <p:cxnSp>
+        <p:nvCxnSpPr>
+          <p:cNvPr id="29" name="Elbow Connector 28"/>
+          <p:cNvCxnSpPr>
+            <a:stCxn id="11" idx="1"/>
+            <a:endCxn id="10" idx="2"/>
+          </p:cNvCxnSpPr>
+          <p:nvPr/>
+        </p:nvCxnSpPr>
+        <p:spPr>
+          <a:xfrm rot="10800000">
+            <a:off x="6188529" y="3835853"/>
+            <a:ext cx="1289957" cy="357528"/>
+          </a:xfrm>
+          <a:prstGeom prst="bentConnector2">
+            <a:avLst/>
+          </a:prstGeom>
+          <a:ln>
+            <a:tailEnd type="triangle"/>
+          </a:ln>
+        </p:spPr>
+        <p:style>
+          <a:lnRef idx="1">
+            <a:schemeClr val="accent1"/>
+          </a:lnRef>
+          <a:fillRef idx="0">
+            <a:schemeClr val="accent1"/>
+          </a:fillRef>
+          <a:effectRef idx="0">
+            <a:schemeClr val="accent1"/>
+          </a:effectRef>
+          <a:fontRef idx="minor">
+            <a:schemeClr val="tx1"/>
+          </a:fontRef>
+        </p:style>
+      </p:cxnSp>
+      <p:cxnSp>
+        <p:nvCxnSpPr>
+          <p:cNvPr id="31" name="Elbow Connector 30"/>
+          <p:cNvCxnSpPr>
+            <a:stCxn id="12" idx="1"/>
+            <a:endCxn id="11" idx="2"/>
+          </p:cNvCxnSpPr>
+          <p:nvPr/>
+        </p:nvCxnSpPr>
+        <p:spPr>
+          <a:xfrm rot="10800000">
+            <a:off x="8430985" y="4550908"/>
+            <a:ext cx="1289956" cy="357528"/>
+          </a:xfrm>
+          <a:prstGeom prst="bentConnector2">
+            <a:avLst/>
+          </a:prstGeom>
+          <a:ln>
+            <a:tailEnd type="triangle"/>
+          </a:ln>
+        </p:spPr>
+        <p:style>
+          <a:lnRef idx="1">
+            <a:schemeClr val="accent1"/>
+          </a:lnRef>
+          <a:fillRef idx="0">
+            <a:schemeClr val="accent1"/>
+          </a:fillRef>
+          <a:effectRef idx="0">
+            <a:schemeClr val="accent1"/>
+          </a:effectRef>
+          <a:fontRef idx="minor">
+            <a:schemeClr val="tx1"/>
+          </a:fontRef>
+        </p:style>
+      </p:cxnSp>
     </p:spTree>
     <p:extLst>
       <p:ext uri="{BB962C8B-B14F-4D97-AF65-F5344CB8AC3E}">
-        <p14:creationId xmlns:p14="http://schemas.microsoft.com/office/powerpoint/2010/main" val="3771152236"/>
+        <p14:creationId xmlns:p14="http://schemas.microsoft.com/office/powerpoint/2010/main" val="256389252"/>
       </p:ext>
     </p:extLst>
   </p:cSld>
   <p:clrMapOvr>
     <a:masterClrMapping/>
   </p:clrMapOvr>
+  <p:timing>
+    <p:tnLst>
+      <p:par>
+        <p:cTn id="1" dur="indefinite" restart="never" nodeType="tmRoot"/>
+      </p:par>
+    </p:tnLst>
+  </p:timing>
 </p:sld>
 </file>
 
@@ -3759,9 +4193,10 @@
           <a:lstStyle/>
           <a:p>
             <a:r>
-              <a:rPr lang="en-US" dirty="0"/>
-              <a:t>Sprint</a:t>
-            </a:r>
+              <a:rPr lang="en-US" dirty="0" smtClean="0"/>
+              <a:t>Scrum</a:t>
+            </a:r>
+            <a:endParaRPr lang="en-US" dirty="0"/>
           </a:p>
         </p:txBody>
       </p:sp>
@@ -3781,7 +4216,7 @@
           <a:lstStyle/>
           <a:p>
             <a:r>
-              <a:rPr lang="en-US"/>
+              <a:rPr lang="en-US" smtClean="0"/>
               <a:t>http://www.garfieldwiki.com</a:t>
             </a:r>
             <a:endParaRPr lang="en-US" dirty="0"/>
@@ -3790,30 +4225,954 @@
       </p:sp>
       <p:grpSp>
         <p:nvGrpSpPr>
-          <p:cNvPr id="10" name="Group 9"/>
+          <p:cNvPr id="41" name="Group 40"/>
           <p:cNvGrpSpPr/>
           <p:nvPr/>
         </p:nvGrpSpPr>
         <p:grpSpPr>
           <a:xfrm>
-            <a:off x="526474" y="1900237"/>
-            <a:ext cx="2318326" cy="4246563"/>
-            <a:chOff x="554182" y="1690688"/>
-            <a:chExt cx="3011054" cy="4246563"/>
+            <a:off x="391886" y="1917133"/>
+            <a:ext cx="11364686" cy="4212771"/>
+            <a:chOff x="391886" y="1917133"/>
+            <a:chExt cx="11364686" cy="4212771"/>
           </a:xfrm>
         </p:grpSpPr>
+        <p:grpSp>
+          <p:nvGrpSpPr>
+            <p:cNvPr id="10" name="Group 9"/>
+            <p:cNvGrpSpPr/>
+            <p:nvPr/>
+          </p:nvGrpSpPr>
+          <p:grpSpPr>
+            <a:xfrm>
+              <a:off x="391886" y="1917133"/>
+              <a:ext cx="2318657" cy="4212771"/>
+              <a:chOff x="838200" y="1611086"/>
+              <a:chExt cx="2318657" cy="4212771"/>
+            </a:xfrm>
+          </p:grpSpPr>
+          <p:sp>
+            <p:nvSpPr>
+              <p:cNvPr id="5" name="Rounded Rectangle 4"/>
+              <p:cNvSpPr/>
+              <p:nvPr/>
+            </p:nvSpPr>
+            <p:spPr>
+              <a:xfrm>
+                <a:off x="838200" y="1611086"/>
+                <a:ext cx="2318657" cy="4212771"/>
+              </a:xfrm>
+              <a:prstGeom prst="roundRect">
+                <a:avLst/>
+              </a:prstGeom>
+            </p:spPr>
+            <p:style>
+              <a:lnRef idx="2">
+                <a:schemeClr val="accent1">
+                  <a:shade val="50000"/>
+                </a:schemeClr>
+              </a:lnRef>
+              <a:fillRef idx="1">
+                <a:schemeClr val="accent1"/>
+              </a:fillRef>
+              <a:effectRef idx="0">
+                <a:schemeClr val="accent1"/>
+              </a:effectRef>
+              <a:fontRef idx="minor">
+                <a:schemeClr val="lt1"/>
+              </a:fontRef>
+            </p:style>
+            <p:txBody>
+              <a:bodyPr rtlCol="0" anchor="ctr"/>
+              <a:lstStyle/>
+              <a:p>
+                <a:pPr algn="ctr"/>
+                <a:endParaRPr lang="en-US"/>
+              </a:p>
+            </p:txBody>
+          </p:sp>
+          <p:sp>
+            <p:nvSpPr>
+              <p:cNvPr id="6" name="Rectangle 5"/>
+              <p:cNvSpPr/>
+              <p:nvPr/>
+            </p:nvSpPr>
+            <p:spPr>
+              <a:xfrm>
+                <a:off x="1126671" y="2088810"/>
+                <a:ext cx="1741714" cy="576943"/>
+              </a:xfrm>
+              <a:prstGeom prst="rect">
+                <a:avLst/>
+              </a:prstGeom>
+            </p:spPr>
+            <p:style>
+              <a:lnRef idx="1">
+                <a:schemeClr val="accent4"/>
+              </a:lnRef>
+              <a:fillRef idx="2">
+                <a:schemeClr val="accent4"/>
+              </a:fillRef>
+              <a:effectRef idx="1">
+                <a:schemeClr val="accent4"/>
+              </a:effectRef>
+              <a:fontRef idx="minor">
+                <a:schemeClr val="dk1"/>
+              </a:fontRef>
+            </p:style>
+            <p:txBody>
+              <a:bodyPr rtlCol="0" anchor="ctr"/>
+              <a:lstStyle/>
+              <a:p>
+                <a:pPr algn="ctr"/>
+                <a:r>
+                  <a:rPr lang="en-US" dirty="0" smtClean="0">
+                    <a:solidFill>
+                      <a:schemeClr val="tx1"/>
+                    </a:solidFill>
+                  </a:rPr>
+                  <a:t>Plan</a:t>
+                </a:r>
+                <a:endParaRPr lang="en-US" dirty="0">
+                  <a:solidFill>
+                    <a:schemeClr val="tx1"/>
+                  </a:solidFill>
+                </a:endParaRPr>
+              </a:p>
+            </p:txBody>
+          </p:sp>
+          <p:sp>
+            <p:nvSpPr>
+              <p:cNvPr id="7" name="Rectangle 6"/>
+              <p:cNvSpPr/>
+              <p:nvPr/>
+            </p:nvSpPr>
+            <p:spPr>
+              <a:xfrm>
+                <a:off x="1126671" y="3008804"/>
+                <a:ext cx="1741714" cy="576943"/>
+              </a:xfrm>
+              <a:prstGeom prst="rect">
+                <a:avLst/>
+              </a:prstGeom>
+            </p:spPr>
+            <p:style>
+              <a:lnRef idx="1">
+                <a:schemeClr val="accent4"/>
+              </a:lnRef>
+              <a:fillRef idx="2">
+                <a:schemeClr val="accent4"/>
+              </a:fillRef>
+              <a:effectRef idx="1">
+                <a:schemeClr val="accent4"/>
+              </a:effectRef>
+              <a:fontRef idx="minor">
+                <a:schemeClr val="dk1"/>
+              </a:fontRef>
+            </p:style>
+            <p:txBody>
+              <a:bodyPr rtlCol="0" anchor="ctr"/>
+              <a:lstStyle/>
+              <a:p>
+                <a:pPr algn="ctr"/>
+                <a:r>
+                  <a:rPr lang="en-US" dirty="0" smtClean="0"/>
+                  <a:t>Build</a:t>
+                </a:r>
+                <a:endParaRPr lang="en-US" dirty="0"/>
+              </a:p>
+            </p:txBody>
+          </p:sp>
+          <p:sp>
+            <p:nvSpPr>
+              <p:cNvPr id="8" name="Rectangle 7"/>
+              <p:cNvSpPr/>
+              <p:nvPr/>
+            </p:nvSpPr>
+            <p:spPr>
+              <a:xfrm>
+                <a:off x="1126671" y="3928798"/>
+                <a:ext cx="1741714" cy="576943"/>
+              </a:xfrm>
+              <a:prstGeom prst="rect">
+                <a:avLst/>
+              </a:prstGeom>
+            </p:spPr>
+            <p:style>
+              <a:lnRef idx="1">
+                <a:schemeClr val="accent4"/>
+              </a:lnRef>
+              <a:fillRef idx="2">
+                <a:schemeClr val="accent4"/>
+              </a:fillRef>
+              <a:effectRef idx="1">
+                <a:schemeClr val="accent4"/>
+              </a:effectRef>
+              <a:fontRef idx="minor">
+                <a:schemeClr val="dk1"/>
+              </a:fontRef>
+            </p:style>
+            <p:txBody>
+              <a:bodyPr rtlCol="0" anchor="ctr"/>
+              <a:lstStyle/>
+              <a:p>
+                <a:pPr algn="ctr"/>
+                <a:r>
+                  <a:rPr lang="en-US" dirty="0" smtClean="0"/>
+                  <a:t>Test</a:t>
+                </a:r>
+                <a:endParaRPr lang="en-US" dirty="0"/>
+              </a:p>
+            </p:txBody>
+          </p:sp>
+          <p:sp>
+            <p:nvSpPr>
+              <p:cNvPr id="9" name="Rectangle 8"/>
+              <p:cNvSpPr/>
+              <p:nvPr/>
+            </p:nvSpPr>
+            <p:spPr>
+              <a:xfrm>
+                <a:off x="1126671" y="4848792"/>
+                <a:ext cx="1741714" cy="576943"/>
+              </a:xfrm>
+              <a:prstGeom prst="rect">
+                <a:avLst/>
+              </a:prstGeom>
+            </p:spPr>
+            <p:style>
+              <a:lnRef idx="1">
+                <a:schemeClr val="accent4"/>
+              </a:lnRef>
+              <a:fillRef idx="2">
+                <a:schemeClr val="accent4"/>
+              </a:fillRef>
+              <a:effectRef idx="1">
+                <a:schemeClr val="accent4"/>
+              </a:effectRef>
+              <a:fontRef idx="minor">
+                <a:schemeClr val="dk1"/>
+              </a:fontRef>
+            </p:style>
+            <p:txBody>
+              <a:bodyPr rtlCol="0" anchor="ctr"/>
+              <a:lstStyle/>
+              <a:p>
+                <a:pPr algn="ctr"/>
+                <a:r>
+                  <a:rPr lang="en-US" dirty="0" smtClean="0"/>
+                  <a:t>Review</a:t>
+                </a:r>
+                <a:endParaRPr lang="en-US" dirty="0"/>
+              </a:p>
+            </p:txBody>
+          </p:sp>
+        </p:grpSp>
+        <p:grpSp>
+          <p:nvGrpSpPr>
+            <p:cNvPr id="12" name="Group 11"/>
+            <p:cNvGrpSpPr/>
+            <p:nvPr/>
+          </p:nvGrpSpPr>
+          <p:grpSpPr>
+            <a:xfrm>
+              <a:off x="3407229" y="1917133"/>
+              <a:ext cx="2318657" cy="4212771"/>
+              <a:chOff x="838200" y="1611086"/>
+              <a:chExt cx="2318657" cy="4212771"/>
+            </a:xfrm>
+          </p:grpSpPr>
+          <p:sp>
+            <p:nvSpPr>
+              <p:cNvPr id="13" name="Rounded Rectangle 12"/>
+              <p:cNvSpPr/>
+              <p:nvPr/>
+            </p:nvSpPr>
+            <p:spPr>
+              <a:xfrm>
+                <a:off x="838200" y="1611086"/>
+                <a:ext cx="2318657" cy="4212771"/>
+              </a:xfrm>
+              <a:prstGeom prst="roundRect">
+                <a:avLst/>
+              </a:prstGeom>
+            </p:spPr>
+            <p:style>
+              <a:lnRef idx="2">
+                <a:schemeClr val="accent1">
+                  <a:shade val="50000"/>
+                </a:schemeClr>
+              </a:lnRef>
+              <a:fillRef idx="1">
+                <a:schemeClr val="accent1"/>
+              </a:fillRef>
+              <a:effectRef idx="0">
+                <a:schemeClr val="accent1"/>
+              </a:effectRef>
+              <a:fontRef idx="minor">
+                <a:schemeClr val="lt1"/>
+              </a:fontRef>
+            </p:style>
+            <p:txBody>
+              <a:bodyPr rtlCol="0" anchor="ctr"/>
+              <a:lstStyle/>
+              <a:p>
+                <a:pPr algn="ctr"/>
+                <a:endParaRPr lang="en-US"/>
+              </a:p>
+            </p:txBody>
+          </p:sp>
+          <p:sp>
+            <p:nvSpPr>
+              <p:cNvPr id="14" name="Rectangle 13"/>
+              <p:cNvSpPr/>
+              <p:nvPr/>
+            </p:nvSpPr>
+            <p:spPr>
+              <a:xfrm>
+                <a:off x="1126671" y="2088810"/>
+                <a:ext cx="1741714" cy="576943"/>
+              </a:xfrm>
+              <a:prstGeom prst="rect">
+                <a:avLst/>
+              </a:prstGeom>
+            </p:spPr>
+            <p:style>
+              <a:lnRef idx="1">
+                <a:schemeClr val="accent4"/>
+              </a:lnRef>
+              <a:fillRef idx="2">
+                <a:schemeClr val="accent4"/>
+              </a:fillRef>
+              <a:effectRef idx="1">
+                <a:schemeClr val="accent4"/>
+              </a:effectRef>
+              <a:fontRef idx="minor">
+                <a:schemeClr val="dk1"/>
+              </a:fontRef>
+            </p:style>
+            <p:txBody>
+              <a:bodyPr rtlCol="0" anchor="ctr"/>
+              <a:lstStyle/>
+              <a:p>
+                <a:pPr algn="ctr"/>
+                <a:r>
+                  <a:rPr lang="en-US" dirty="0" smtClean="0">
+                    <a:solidFill>
+                      <a:schemeClr val="tx1"/>
+                    </a:solidFill>
+                  </a:rPr>
+                  <a:t>Plan</a:t>
+                </a:r>
+                <a:endParaRPr lang="en-US" dirty="0">
+                  <a:solidFill>
+                    <a:schemeClr val="tx1"/>
+                  </a:solidFill>
+                </a:endParaRPr>
+              </a:p>
+            </p:txBody>
+          </p:sp>
+          <p:sp>
+            <p:nvSpPr>
+              <p:cNvPr id="15" name="Rectangle 14"/>
+              <p:cNvSpPr/>
+              <p:nvPr/>
+            </p:nvSpPr>
+            <p:spPr>
+              <a:xfrm>
+                <a:off x="1126671" y="3008804"/>
+                <a:ext cx="1741714" cy="576943"/>
+              </a:xfrm>
+              <a:prstGeom prst="rect">
+                <a:avLst/>
+              </a:prstGeom>
+            </p:spPr>
+            <p:style>
+              <a:lnRef idx="1">
+                <a:schemeClr val="accent4"/>
+              </a:lnRef>
+              <a:fillRef idx="2">
+                <a:schemeClr val="accent4"/>
+              </a:fillRef>
+              <a:effectRef idx="1">
+                <a:schemeClr val="accent4"/>
+              </a:effectRef>
+              <a:fontRef idx="minor">
+                <a:schemeClr val="dk1"/>
+              </a:fontRef>
+            </p:style>
+            <p:txBody>
+              <a:bodyPr rtlCol="0" anchor="ctr"/>
+              <a:lstStyle/>
+              <a:p>
+                <a:pPr algn="ctr"/>
+                <a:r>
+                  <a:rPr lang="en-US" dirty="0" smtClean="0"/>
+                  <a:t>Build</a:t>
+                </a:r>
+                <a:endParaRPr lang="en-US" dirty="0"/>
+              </a:p>
+            </p:txBody>
+          </p:sp>
+          <p:sp>
+            <p:nvSpPr>
+              <p:cNvPr id="16" name="Rectangle 15"/>
+              <p:cNvSpPr/>
+              <p:nvPr/>
+            </p:nvSpPr>
+            <p:spPr>
+              <a:xfrm>
+                <a:off x="1126671" y="3928798"/>
+                <a:ext cx="1741714" cy="576943"/>
+              </a:xfrm>
+              <a:prstGeom prst="rect">
+                <a:avLst/>
+              </a:prstGeom>
+            </p:spPr>
+            <p:style>
+              <a:lnRef idx="1">
+                <a:schemeClr val="accent4"/>
+              </a:lnRef>
+              <a:fillRef idx="2">
+                <a:schemeClr val="accent4"/>
+              </a:fillRef>
+              <a:effectRef idx="1">
+                <a:schemeClr val="accent4"/>
+              </a:effectRef>
+              <a:fontRef idx="minor">
+                <a:schemeClr val="dk1"/>
+              </a:fontRef>
+            </p:style>
+            <p:txBody>
+              <a:bodyPr rtlCol="0" anchor="ctr"/>
+              <a:lstStyle/>
+              <a:p>
+                <a:pPr algn="ctr"/>
+                <a:r>
+                  <a:rPr lang="en-US" dirty="0" smtClean="0"/>
+                  <a:t>Test</a:t>
+                </a:r>
+                <a:endParaRPr lang="en-US" dirty="0"/>
+              </a:p>
+            </p:txBody>
+          </p:sp>
+          <p:sp>
+            <p:nvSpPr>
+              <p:cNvPr id="17" name="Rectangle 16"/>
+              <p:cNvSpPr/>
+              <p:nvPr/>
+            </p:nvSpPr>
+            <p:spPr>
+              <a:xfrm>
+                <a:off x="1126671" y="4848792"/>
+                <a:ext cx="1741714" cy="576943"/>
+              </a:xfrm>
+              <a:prstGeom prst="rect">
+                <a:avLst/>
+              </a:prstGeom>
+            </p:spPr>
+            <p:style>
+              <a:lnRef idx="1">
+                <a:schemeClr val="accent4"/>
+              </a:lnRef>
+              <a:fillRef idx="2">
+                <a:schemeClr val="accent4"/>
+              </a:fillRef>
+              <a:effectRef idx="1">
+                <a:schemeClr val="accent4"/>
+              </a:effectRef>
+              <a:fontRef idx="minor">
+                <a:schemeClr val="dk1"/>
+              </a:fontRef>
+            </p:style>
+            <p:txBody>
+              <a:bodyPr rtlCol="0" anchor="ctr"/>
+              <a:lstStyle/>
+              <a:p>
+                <a:pPr algn="ctr"/>
+                <a:r>
+                  <a:rPr lang="en-US" dirty="0" smtClean="0"/>
+                  <a:t>Review</a:t>
+                </a:r>
+                <a:endParaRPr lang="en-US" dirty="0"/>
+              </a:p>
+            </p:txBody>
+          </p:sp>
+        </p:grpSp>
+        <p:grpSp>
+          <p:nvGrpSpPr>
+            <p:cNvPr id="18" name="Group 17"/>
+            <p:cNvGrpSpPr/>
+            <p:nvPr/>
+          </p:nvGrpSpPr>
+          <p:grpSpPr>
+            <a:xfrm>
+              <a:off x="6422572" y="1917133"/>
+              <a:ext cx="2318657" cy="4212771"/>
+              <a:chOff x="838200" y="1611086"/>
+              <a:chExt cx="2318657" cy="4212771"/>
+            </a:xfrm>
+          </p:grpSpPr>
+          <p:sp>
+            <p:nvSpPr>
+              <p:cNvPr id="19" name="Rounded Rectangle 18"/>
+              <p:cNvSpPr/>
+              <p:nvPr/>
+            </p:nvSpPr>
+            <p:spPr>
+              <a:xfrm>
+                <a:off x="838200" y="1611086"/>
+                <a:ext cx="2318657" cy="4212771"/>
+              </a:xfrm>
+              <a:prstGeom prst="roundRect">
+                <a:avLst/>
+              </a:prstGeom>
+            </p:spPr>
+            <p:style>
+              <a:lnRef idx="2">
+                <a:schemeClr val="accent1">
+                  <a:shade val="50000"/>
+                </a:schemeClr>
+              </a:lnRef>
+              <a:fillRef idx="1">
+                <a:schemeClr val="accent1"/>
+              </a:fillRef>
+              <a:effectRef idx="0">
+                <a:schemeClr val="accent1"/>
+              </a:effectRef>
+              <a:fontRef idx="minor">
+                <a:schemeClr val="lt1"/>
+              </a:fontRef>
+            </p:style>
+            <p:txBody>
+              <a:bodyPr rtlCol="0" anchor="ctr"/>
+              <a:lstStyle/>
+              <a:p>
+                <a:pPr algn="ctr"/>
+                <a:endParaRPr lang="en-US"/>
+              </a:p>
+            </p:txBody>
+          </p:sp>
+          <p:sp>
+            <p:nvSpPr>
+              <p:cNvPr id="20" name="Rectangle 19"/>
+              <p:cNvSpPr/>
+              <p:nvPr/>
+            </p:nvSpPr>
+            <p:spPr>
+              <a:xfrm>
+                <a:off x="1126671" y="2088810"/>
+                <a:ext cx="1741714" cy="576943"/>
+              </a:xfrm>
+              <a:prstGeom prst="rect">
+                <a:avLst/>
+              </a:prstGeom>
+            </p:spPr>
+            <p:style>
+              <a:lnRef idx="1">
+                <a:schemeClr val="accent4"/>
+              </a:lnRef>
+              <a:fillRef idx="2">
+                <a:schemeClr val="accent4"/>
+              </a:fillRef>
+              <a:effectRef idx="1">
+                <a:schemeClr val="accent4"/>
+              </a:effectRef>
+              <a:fontRef idx="minor">
+                <a:schemeClr val="dk1"/>
+              </a:fontRef>
+            </p:style>
+            <p:txBody>
+              <a:bodyPr rtlCol="0" anchor="ctr"/>
+              <a:lstStyle/>
+              <a:p>
+                <a:pPr algn="ctr"/>
+                <a:r>
+                  <a:rPr lang="en-US" dirty="0" smtClean="0">
+                    <a:solidFill>
+                      <a:schemeClr val="tx1"/>
+                    </a:solidFill>
+                  </a:rPr>
+                  <a:t>Plan</a:t>
+                </a:r>
+                <a:endParaRPr lang="en-US" dirty="0">
+                  <a:solidFill>
+                    <a:schemeClr val="tx1"/>
+                  </a:solidFill>
+                </a:endParaRPr>
+              </a:p>
+            </p:txBody>
+          </p:sp>
+          <p:sp>
+            <p:nvSpPr>
+              <p:cNvPr id="21" name="Rectangle 20"/>
+              <p:cNvSpPr/>
+              <p:nvPr/>
+            </p:nvSpPr>
+            <p:spPr>
+              <a:xfrm>
+                <a:off x="1126671" y="3008804"/>
+                <a:ext cx="1741714" cy="576943"/>
+              </a:xfrm>
+              <a:prstGeom prst="rect">
+                <a:avLst/>
+              </a:prstGeom>
+            </p:spPr>
+            <p:style>
+              <a:lnRef idx="1">
+                <a:schemeClr val="accent4"/>
+              </a:lnRef>
+              <a:fillRef idx="2">
+                <a:schemeClr val="accent4"/>
+              </a:fillRef>
+              <a:effectRef idx="1">
+                <a:schemeClr val="accent4"/>
+              </a:effectRef>
+              <a:fontRef idx="minor">
+                <a:schemeClr val="dk1"/>
+              </a:fontRef>
+            </p:style>
+            <p:txBody>
+              <a:bodyPr rtlCol="0" anchor="ctr"/>
+              <a:lstStyle/>
+              <a:p>
+                <a:pPr algn="ctr"/>
+                <a:r>
+                  <a:rPr lang="en-US" dirty="0" smtClean="0"/>
+                  <a:t>Build</a:t>
+                </a:r>
+                <a:endParaRPr lang="en-US" dirty="0"/>
+              </a:p>
+            </p:txBody>
+          </p:sp>
+          <p:sp>
+            <p:nvSpPr>
+              <p:cNvPr id="22" name="Rectangle 21"/>
+              <p:cNvSpPr/>
+              <p:nvPr/>
+            </p:nvSpPr>
+            <p:spPr>
+              <a:xfrm>
+                <a:off x="1126671" y="3928798"/>
+                <a:ext cx="1741714" cy="576943"/>
+              </a:xfrm>
+              <a:prstGeom prst="rect">
+                <a:avLst/>
+              </a:prstGeom>
+            </p:spPr>
+            <p:style>
+              <a:lnRef idx="1">
+                <a:schemeClr val="accent4"/>
+              </a:lnRef>
+              <a:fillRef idx="2">
+                <a:schemeClr val="accent4"/>
+              </a:fillRef>
+              <a:effectRef idx="1">
+                <a:schemeClr val="accent4"/>
+              </a:effectRef>
+              <a:fontRef idx="minor">
+                <a:schemeClr val="dk1"/>
+              </a:fontRef>
+            </p:style>
+            <p:txBody>
+              <a:bodyPr rtlCol="0" anchor="ctr"/>
+              <a:lstStyle/>
+              <a:p>
+                <a:pPr algn="ctr"/>
+                <a:r>
+                  <a:rPr lang="en-US" dirty="0" smtClean="0"/>
+                  <a:t>Test</a:t>
+                </a:r>
+                <a:endParaRPr lang="en-US" dirty="0"/>
+              </a:p>
+            </p:txBody>
+          </p:sp>
+          <p:sp>
+            <p:nvSpPr>
+              <p:cNvPr id="23" name="Rectangle 22"/>
+              <p:cNvSpPr/>
+              <p:nvPr/>
+            </p:nvSpPr>
+            <p:spPr>
+              <a:xfrm>
+                <a:off x="1126671" y="4848792"/>
+                <a:ext cx="1741714" cy="576943"/>
+              </a:xfrm>
+              <a:prstGeom prst="rect">
+                <a:avLst/>
+              </a:prstGeom>
+            </p:spPr>
+            <p:style>
+              <a:lnRef idx="1">
+                <a:schemeClr val="accent4"/>
+              </a:lnRef>
+              <a:fillRef idx="2">
+                <a:schemeClr val="accent4"/>
+              </a:fillRef>
+              <a:effectRef idx="1">
+                <a:schemeClr val="accent4"/>
+              </a:effectRef>
+              <a:fontRef idx="minor">
+                <a:schemeClr val="dk1"/>
+              </a:fontRef>
+            </p:style>
+            <p:txBody>
+              <a:bodyPr rtlCol="0" anchor="ctr"/>
+              <a:lstStyle/>
+              <a:p>
+                <a:pPr algn="ctr"/>
+                <a:r>
+                  <a:rPr lang="en-US" dirty="0" smtClean="0"/>
+                  <a:t>Review</a:t>
+                </a:r>
+                <a:endParaRPr lang="en-US" dirty="0"/>
+              </a:p>
+            </p:txBody>
+          </p:sp>
+        </p:grpSp>
+        <p:grpSp>
+          <p:nvGrpSpPr>
+            <p:cNvPr id="24" name="Group 23"/>
+            <p:cNvGrpSpPr/>
+            <p:nvPr/>
+          </p:nvGrpSpPr>
+          <p:grpSpPr>
+            <a:xfrm>
+              <a:off x="9437915" y="1917133"/>
+              <a:ext cx="2318657" cy="4212771"/>
+              <a:chOff x="838200" y="1611086"/>
+              <a:chExt cx="2318657" cy="4212771"/>
+            </a:xfrm>
+          </p:grpSpPr>
+          <p:sp>
+            <p:nvSpPr>
+              <p:cNvPr id="25" name="Rounded Rectangle 24"/>
+              <p:cNvSpPr/>
+              <p:nvPr/>
+            </p:nvSpPr>
+            <p:spPr>
+              <a:xfrm>
+                <a:off x="838200" y="1611086"/>
+                <a:ext cx="2318657" cy="4212771"/>
+              </a:xfrm>
+              <a:prstGeom prst="roundRect">
+                <a:avLst/>
+              </a:prstGeom>
+            </p:spPr>
+            <p:style>
+              <a:lnRef idx="2">
+                <a:schemeClr val="accent1">
+                  <a:shade val="50000"/>
+                </a:schemeClr>
+              </a:lnRef>
+              <a:fillRef idx="1">
+                <a:schemeClr val="accent1"/>
+              </a:fillRef>
+              <a:effectRef idx="0">
+                <a:schemeClr val="accent1"/>
+              </a:effectRef>
+              <a:fontRef idx="minor">
+                <a:schemeClr val="lt1"/>
+              </a:fontRef>
+            </p:style>
+            <p:txBody>
+              <a:bodyPr rtlCol="0" anchor="ctr"/>
+              <a:lstStyle/>
+              <a:p>
+                <a:pPr algn="ctr"/>
+                <a:endParaRPr lang="en-US"/>
+              </a:p>
+            </p:txBody>
+          </p:sp>
+          <p:sp>
+            <p:nvSpPr>
+              <p:cNvPr id="26" name="Rectangle 25"/>
+              <p:cNvSpPr/>
+              <p:nvPr/>
+            </p:nvSpPr>
+            <p:spPr>
+              <a:xfrm>
+                <a:off x="1126671" y="2088810"/>
+                <a:ext cx="1741714" cy="576943"/>
+              </a:xfrm>
+              <a:prstGeom prst="rect">
+                <a:avLst/>
+              </a:prstGeom>
+            </p:spPr>
+            <p:style>
+              <a:lnRef idx="1">
+                <a:schemeClr val="accent4"/>
+              </a:lnRef>
+              <a:fillRef idx="2">
+                <a:schemeClr val="accent4"/>
+              </a:fillRef>
+              <a:effectRef idx="1">
+                <a:schemeClr val="accent4"/>
+              </a:effectRef>
+              <a:fontRef idx="minor">
+                <a:schemeClr val="dk1"/>
+              </a:fontRef>
+            </p:style>
+            <p:txBody>
+              <a:bodyPr rtlCol="0" anchor="ctr"/>
+              <a:lstStyle/>
+              <a:p>
+                <a:pPr algn="ctr"/>
+                <a:r>
+                  <a:rPr lang="en-US" dirty="0" smtClean="0">
+                    <a:solidFill>
+                      <a:schemeClr val="tx1"/>
+                    </a:solidFill>
+                  </a:rPr>
+                  <a:t>Plan</a:t>
+                </a:r>
+                <a:endParaRPr lang="en-US" dirty="0">
+                  <a:solidFill>
+                    <a:schemeClr val="tx1"/>
+                  </a:solidFill>
+                </a:endParaRPr>
+              </a:p>
+            </p:txBody>
+          </p:sp>
+          <p:sp>
+            <p:nvSpPr>
+              <p:cNvPr id="27" name="Rectangle 26"/>
+              <p:cNvSpPr/>
+              <p:nvPr/>
+            </p:nvSpPr>
+            <p:spPr>
+              <a:xfrm>
+                <a:off x="1126671" y="3008804"/>
+                <a:ext cx="1741714" cy="576943"/>
+              </a:xfrm>
+              <a:prstGeom prst="rect">
+                <a:avLst/>
+              </a:prstGeom>
+            </p:spPr>
+            <p:style>
+              <a:lnRef idx="1">
+                <a:schemeClr val="accent4"/>
+              </a:lnRef>
+              <a:fillRef idx="2">
+                <a:schemeClr val="accent4"/>
+              </a:fillRef>
+              <a:effectRef idx="1">
+                <a:schemeClr val="accent4"/>
+              </a:effectRef>
+              <a:fontRef idx="minor">
+                <a:schemeClr val="dk1"/>
+              </a:fontRef>
+            </p:style>
+            <p:txBody>
+              <a:bodyPr rtlCol="0" anchor="ctr"/>
+              <a:lstStyle/>
+              <a:p>
+                <a:pPr algn="ctr"/>
+                <a:r>
+                  <a:rPr lang="en-US" dirty="0" smtClean="0"/>
+                  <a:t>Build</a:t>
+                </a:r>
+                <a:endParaRPr lang="en-US" dirty="0"/>
+              </a:p>
+            </p:txBody>
+          </p:sp>
+          <p:sp>
+            <p:nvSpPr>
+              <p:cNvPr id="28" name="Rectangle 27"/>
+              <p:cNvSpPr/>
+              <p:nvPr/>
+            </p:nvSpPr>
+            <p:spPr>
+              <a:xfrm>
+                <a:off x="1126671" y="3928798"/>
+                <a:ext cx="1741714" cy="576943"/>
+              </a:xfrm>
+              <a:prstGeom prst="rect">
+                <a:avLst/>
+              </a:prstGeom>
+            </p:spPr>
+            <p:style>
+              <a:lnRef idx="1">
+                <a:schemeClr val="accent4"/>
+              </a:lnRef>
+              <a:fillRef idx="2">
+                <a:schemeClr val="accent4"/>
+              </a:fillRef>
+              <a:effectRef idx="1">
+                <a:schemeClr val="accent4"/>
+              </a:effectRef>
+              <a:fontRef idx="minor">
+                <a:schemeClr val="dk1"/>
+              </a:fontRef>
+            </p:style>
+            <p:txBody>
+              <a:bodyPr rtlCol="0" anchor="ctr"/>
+              <a:lstStyle/>
+              <a:p>
+                <a:pPr algn="ctr"/>
+                <a:r>
+                  <a:rPr lang="en-US" dirty="0" smtClean="0"/>
+                  <a:t>Test</a:t>
+                </a:r>
+                <a:endParaRPr lang="en-US" dirty="0"/>
+              </a:p>
+            </p:txBody>
+          </p:sp>
+          <p:sp>
+            <p:nvSpPr>
+              <p:cNvPr id="29" name="Rectangle 28"/>
+              <p:cNvSpPr/>
+              <p:nvPr/>
+            </p:nvSpPr>
+            <p:spPr>
+              <a:xfrm>
+                <a:off x="1126671" y="4848792"/>
+                <a:ext cx="1741714" cy="576943"/>
+              </a:xfrm>
+              <a:prstGeom prst="rect">
+                <a:avLst/>
+              </a:prstGeom>
+            </p:spPr>
+            <p:style>
+              <a:lnRef idx="1">
+                <a:schemeClr val="accent4"/>
+              </a:lnRef>
+              <a:fillRef idx="2">
+                <a:schemeClr val="accent4"/>
+              </a:fillRef>
+              <a:effectRef idx="1">
+                <a:schemeClr val="accent4"/>
+              </a:effectRef>
+              <a:fontRef idx="minor">
+                <a:schemeClr val="dk1"/>
+              </a:fontRef>
+            </p:style>
+            <p:txBody>
+              <a:bodyPr rtlCol="0" anchor="ctr"/>
+              <a:lstStyle/>
+              <a:p>
+                <a:pPr algn="ctr"/>
+                <a:r>
+                  <a:rPr lang="en-US" dirty="0" smtClean="0"/>
+                  <a:t>Review</a:t>
+                </a:r>
+                <a:endParaRPr lang="en-US" dirty="0"/>
+              </a:p>
+            </p:txBody>
+          </p:sp>
+        </p:grpSp>
         <p:sp>
           <p:nvSpPr>
-            <p:cNvPr id="5" name="Rounded Rectangle 4"/>
+            <p:cNvPr id="32" name="Chevron 31"/>
             <p:cNvSpPr/>
             <p:nvPr/>
           </p:nvSpPr>
           <p:spPr>
             <a:xfrm>
-              <a:off x="554182" y="1690688"/>
-              <a:ext cx="3011054" cy="4246563"/>
+              <a:off x="2860222" y="3331331"/>
+              <a:ext cx="402772" cy="1028549"/>
             </a:xfrm>
-            <a:prstGeom prst="roundRect">
+            <a:prstGeom prst="chevron">
               <a:avLst/>
             </a:prstGeom>
           </p:spPr>
@@ -3838,36 +5197,40 @@
             <a:lstStyle/>
             <a:p>
               <a:pPr algn="ctr"/>
-              <a:endParaRPr lang="en-US" dirty="0"/>
+              <a:endParaRPr lang="en-US">
+                <a:solidFill>
+                  <a:schemeClr val="tx1"/>
+                </a:solidFill>
+              </a:endParaRPr>
             </a:p>
           </p:txBody>
         </p:sp>
         <p:sp>
           <p:nvSpPr>
-            <p:cNvPr id="6" name="Rectangle 5"/>
+            <p:cNvPr id="39" name="Chevron 38"/>
             <p:cNvSpPr/>
             <p:nvPr/>
           </p:nvSpPr>
           <p:spPr>
             <a:xfrm>
-              <a:off x="838200" y="2179782"/>
-              <a:ext cx="2366818" cy="628073"/>
+              <a:off x="5894614" y="3331331"/>
+              <a:ext cx="402772" cy="1028549"/>
             </a:xfrm>
-            <a:prstGeom prst="rect">
+            <a:prstGeom prst="chevron">
               <a:avLst/>
             </a:prstGeom>
           </p:spPr>
           <p:style>
             <a:lnRef idx="2">
-              <a:schemeClr val="accent4">
+              <a:schemeClr val="accent1">
                 <a:shade val="50000"/>
               </a:schemeClr>
             </a:lnRef>
             <a:fillRef idx="1">
-              <a:schemeClr val="accent4"/>
+              <a:schemeClr val="accent1"/>
             </a:fillRef>
             <a:effectRef idx="0">
-              <a:schemeClr val="accent4"/>
+              <a:schemeClr val="accent1"/>
             </a:effectRef>
             <a:fontRef idx="minor">
               <a:schemeClr val="lt1"/>
@@ -3878,39 +5241,40 @@
             <a:lstStyle/>
             <a:p>
               <a:pPr algn="ctr"/>
-              <a:r>
-                <a:rPr lang="en-US" dirty="0"/>
-                <a:t>Requirement</a:t>
-              </a:r>
+              <a:endParaRPr lang="en-US">
+                <a:solidFill>
+                  <a:schemeClr val="tx1"/>
+                </a:solidFill>
+              </a:endParaRPr>
             </a:p>
           </p:txBody>
         </p:sp>
         <p:sp>
           <p:nvSpPr>
-            <p:cNvPr id="7" name="Rectangle 6"/>
+            <p:cNvPr id="40" name="Chevron 39"/>
             <p:cNvSpPr/>
             <p:nvPr/>
           </p:nvSpPr>
           <p:spPr>
             <a:xfrm>
-              <a:off x="838200" y="3101879"/>
-              <a:ext cx="2366818" cy="628073"/>
+              <a:off x="8893630" y="3331331"/>
+              <a:ext cx="402772" cy="1028549"/>
             </a:xfrm>
-            <a:prstGeom prst="rect">
+            <a:prstGeom prst="chevron">
               <a:avLst/>
             </a:prstGeom>
           </p:spPr>
           <p:style>
             <a:lnRef idx="2">
-              <a:schemeClr val="accent4">
+              <a:schemeClr val="accent1">
                 <a:shade val="50000"/>
               </a:schemeClr>
             </a:lnRef>
             <a:fillRef idx="1">
-              <a:schemeClr val="accent4"/>
+              <a:schemeClr val="accent1"/>
             </a:fillRef>
             <a:effectRef idx="0">
-              <a:schemeClr val="accent4"/>
+              <a:schemeClr val="accent1"/>
             </a:effectRef>
             <a:fontRef idx="minor">
               <a:schemeClr val="lt1"/>
@@ -3921,124 +5285,254 @@
             <a:lstStyle/>
             <a:p>
               <a:pPr algn="ctr"/>
-              <a:r>
-                <a:rPr lang="en-US" dirty="0"/>
-                <a:t>Design</a:t>
-              </a:r>
+              <a:endParaRPr lang="en-US">
+                <a:solidFill>
+                  <a:schemeClr val="tx1"/>
+                </a:solidFill>
+              </a:endParaRPr>
             </a:p>
           </p:txBody>
         </p:sp>
+      </p:grpSp>
+    </p:spTree>
+    <p:extLst>
+      <p:ext uri="{BB962C8B-B14F-4D97-AF65-F5344CB8AC3E}">
+        <p14:creationId xmlns:p14="http://schemas.microsoft.com/office/powerpoint/2010/main" val="1121581113"/>
+      </p:ext>
+    </p:extLst>
+  </p:cSld>
+  <p:clrMapOvr>
+    <a:masterClrMapping/>
+  </p:clrMapOvr>
+  <p:timing>
+    <p:tnLst>
+      <p:par>
+        <p:cTn id="1" dur="indefinite" restart="never" nodeType="tmRoot"/>
+      </p:par>
+    </p:tnLst>
+  </p:timing>
+</p:sld>
+</file>
+
+<file path=ppt/slides/slide4.xml><?xml version="1.0" encoding="utf-8"?>
+<p:sld xmlns:a="http://schemas.openxmlformats.org/drawingml/2006/main" xmlns:r="http://schemas.openxmlformats.org/officeDocument/2006/relationships" xmlns:p="http://schemas.openxmlformats.org/presentationml/2006/main">
+  <p:cSld>
+    <p:spTree>
+      <p:nvGrpSpPr>
+        <p:cNvPr id="1" name=""/>
+        <p:cNvGrpSpPr/>
+        <p:nvPr/>
+      </p:nvGrpSpPr>
+      <p:grpSpPr>
+        <a:xfrm>
+          <a:off x="0" y="0"/>
+          <a:ext cx="0" cy="0"/>
+          <a:chOff x="0" y="0"/>
+          <a:chExt cx="0" cy="0"/>
+        </a:xfrm>
+      </p:grpSpPr>
+      <p:sp>
+        <p:nvSpPr>
+          <p:cNvPr id="2" name="Title 1"/>
+          <p:cNvSpPr>
+            <a:spLocks noGrp="1"/>
+          </p:cNvSpPr>
+          <p:nvPr>
+            <p:ph type="title"/>
+          </p:nvPr>
+        </p:nvSpPr>
+        <p:spPr/>
+        <p:txBody>
+          <a:bodyPr/>
+          <a:lstStyle/>
+          <a:p>
+            <a:r>
+              <a:rPr lang="en-US" dirty="0" smtClean="0"/>
+              <a:t>Sprint</a:t>
+            </a:r>
+            <a:endParaRPr lang="en-US" dirty="0"/>
+          </a:p>
+        </p:txBody>
+      </p:sp>
+      <p:sp>
+        <p:nvSpPr>
+          <p:cNvPr id="4" name="Slide Number Placeholder 3"/>
+          <p:cNvSpPr>
+            <a:spLocks noGrp="1"/>
+          </p:cNvSpPr>
+          <p:nvPr>
+            <p:ph type="sldNum" sz="quarter" idx="12"/>
+          </p:nvPr>
+        </p:nvSpPr>
+        <p:spPr/>
+        <p:txBody>
+          <a:bodyPr/>
+          <a:lstStyle/>
+          <a:p>
+            <a:r>
+              <a:rPr lang="en-US" smtClean="0"/>
+              <a:t>http://www.garfieldwiki.com</a:t>
+            </a:r>
+            <a:endParaRPr lang="en-US" dirty="0"/>
+          </a:p>
+        </p:txBody>
+      </p:sp>
+      <p:sp>
+        <p:nvSpPr>
+          <p:cNvPr id="16" name="Chevron 15"/>
+          <p:cNvSpPr/>
+          <p:nvPr/>
+        </p:nvSpPr>
+        <p:spPr>
+          <a:xfrm>
+            <a:off x="2860222" y="3331331"/>
+            <a:ext cx="402772" cy="1028549"/>
+          </a:xfrm>
+          <a:prstGeom prst="chevron">
+            <a:avLst/>
+          </a:prstGeom>
+        </p:spPr>
+        <p:style>
+          <a:lnRef idx="2">
+            <a:schemeClr val="accent1">
+              <a:shade val="50000"/>
+            </a:schemeClr>
+          </a:lnRef>
+          <a:fillRef idx="1">
+            <a:schemeClr val="accent1"/>
+          </a:fillRef>
+          <a:effectRef idx="0">
+            <a:schemeClr val="accent1"/>
+          </a:effectRef>
+          <a:fontRef idx="minor">
+            <a:schemeClr val="lt1"/>
+          </a:fontRef>
+        </p:style>
+        <p:txBody>
+          <a:bodyPr rtlCol="0" anchor="ctr"/>
+          <a:lstStyle/>
+          <a:p>
+            <a:pPr algn="ctr"/>
+            <a:endParaRPr lang="en-US">
+              <a:solidFill>
+                <a:schemeClr val="tx1"/>
+              </a:solidFill>
+            </a:endParaRPr>
+          </a:p>
+        </p:txBody>
+      </p:sp>
+      <p:sp>
+        <p:nvSpPr>
+          <p:cNvPr id="17" name="Chevron 16"/>
+          <p:cNvSpPr/>
+          <p:nvPr/>
+        </p:nvSpPr>
+        <p:spPr>
+          <a:xfrm>
+            <a:off x="5894614" y="3331331"/>
+            <a:ext cx="402772" cy="1028549"/>
+          </a:xfrm>
+          <a:prstGeom prst="chevron">
+            <a:avLst/>
+          </a:prstGeom>
+        </p:spPr>
+        <p:style>
+          <a:lnRef idx="2">
+            <a:schemeClr val="accent1">
+              <a:shade val="50000"/>
+            </a:schemeClr>
+          </a:lnRef>
+          <a:fillRef idx="1">
+            <a:schemeClr val="accent1"/>
+          </a:fillRef>
+          <a:effectRef idx="0">
+            <a:schemeClr val="accent1"/>
+          </a:effectRef>
+          <a:fontRef idx="minor">
+            <a:schemeClr val="lt1"/>
+          </a:fontRef>
+        </p:style>
+        <p:txBody>
+          <a:bodyPr rtlCol="0" anchor="ctr"/>
+          <a:lstStyle/>
+          <a:p>
+            <a:pPr algn="ctr"/>
+            <a:endParaRPr lang="en-US">
+              <a:solidFill>
+                <a:schemeClr val="tx1"/>
+              </a:solidFill>
+            </a:endParaRPr>
+          </a:p>
+        </p:txBody>
+      </p:sp>
+      <p:sp>
+        <p:nvSpPr>
+          <p:cNvPr id="18" name="Chevron 17"/>
+          <p:cNvSpPr/>
+          <p:nvPr/>
+        </p:nvSpPr>
+        <p:spPr>
+          <a:xfrm>
+            <a:off x="8893630" y="3331331"/>
+            <a:ext cx="402772" cy="1028549"/>
+          </a:xfrm>
+          <a:prstGeom prst="chevron">
+            <a:avLst/>
+          </a:prstGeom>
+        </p:spPr>
+        <p:style>
+          <a:lnRef idx="2">
+            <a:schemeClr val="accent1">
+              <a:shade val="50000"/>
+            </a:schemeClr>
+          </a:lnRef>
+          <a:fillRef idx="1">
+            <a:schemeClr val="accent1"/>
+          </a:fillRef>
+          <a:effectRef idx="0">
+            <a:schemeClr val="accent1"/>
+          </a:effectRef>
+          <a:fontRef idx="minor">
+            <a:schemeClr val="lt1"/>
+          </a:fontRef>
+        </p:style>
+        <p:txBody>
+          <a:bodyPr rtlCol="0" anchor="ctr"/>
+          <a:lstStyle/>
+          <a:p>
+            <a:pPr algn="ctr"/>
+            <a:endParaRPr lang="en-US">
+              <a:solidFill>
+                <a:schemeClr val="tx1"/>
+              </a:solidFill>
+            </a:endParaRPr>
+          </a:p>
+        </p:txBody>
+      </p:sp>
+      <p:grpSp>
+        <p:nvGrpSpPr>
+          <p:cNvPr id="40" name="Group 39"/>
+          <p:cNvGrpSpPr/>
+          <p:nvPr/>
+        </p:nvGrpSpPr>
+        <p:grpSpPr>
+          <a:xfrm>
+            <a:off x="391886" y="1917133"/>
+            <a:ext cx="2318657" cy="4212771"/>
+            <a:chOff x="391886" y="1917133"/>
+            <a:chExt cx="2318657" cy="4212771"/>
+          </a:xfrm>
+        </p:grpSpPr>
         <p:sp>
           <p:nvSpPr>
-            <p:cNvPr id="8" name="Rectangle 7"/>
+            <p:cNvPr id="34" name="Rounded Rectangle 33"/>
             <p:cNvSpPr/>
             <p:nvPr/>
           </p:nvSpPr>
           <p:spPr>
             <a:xfrm>
-              <a:off x="838200" y="4023976"/>
-              <a:ext cx="2366818" cy="628073"/>
-            </a:xfrm>
-            <a:prstGeom prst="rect">
-              <a:avLst/>
-            </a:prstGeom>
-          </p:spPr>
-          <p:style>
-            <a:lnRef idx="2">
-              <a:schemeClr val="accent4">
-                <a:shade val="50000"/>
-              </a:schemeClr>
-            </a:lnRef>
-            <a:fillRef idx="1">
-              <a:schemeClr val="accent4"/>
-            </a:fillRef>
-            <a:effectRef idx="0">
-              <a:schemeClr val="accent4"/>
-            </a:effectRef>
-            <a:fontRef idx="minor">
-              <a:schemeClr val="lt1"/>
-            </a:fontRef>
-          </p:style>
-          <p:txBody>
-            <a:bodyPr rtlCol="0" anchor="ctr"/>
-            <a:lstStyle/>
-            <a:p>
-              <a:pPr algn="ctr"/>
-              <a:r>
-                <a:rPr lang="en-US" dirty="0"/>
-                <a:t>Coding</a:t>
-              </a:r>
-            </a:p>
-          </p:txBody>
-        </p:sp>
-        <p:sp>
-          <p:nvSpPr>
-            <p:cNvPr id="9" name="Rectangle 8"/>
-            <p:cNvSpPr/>
-            <p:nvPr/>
-          </p:nvSpPr>
-          <p:spPr>
-            <a:xfrm>
-              <a:off x="838200" y="4946073"/>
-              <a:ext cx="2366818" cy="628073"/>
-            </a:xfrm>
-            <a:prstGeom prst="rect">
-              <a:avLst/>
-            </a:prstGeom>
-          </p:spPr>
-          <p:style>
-            <a:lnRef idx="2">
-              <a:schemeClr val="accent4">
-                <a:shade val="50000"/>
-              </a:schemeClr>
-            </a:lnRef>
-            <a:fillRef idx="1">
-              <a:schemeClr val="accent4"/>
-            </a:fillRef>
-            <a:effectRef idx="0">
-              <a:schemeClr val="accent4"/>
-            </a:effectRef>
-            <a:fontRef idx="minor">
-              <a:schemeClr val="lt1"/>
-            </a:fontRef>
-          </p:style>
-          <p:txBody>
-            <a:bodyPr rtlCol="0" anchor="ctr"/>
-            <a:lstStyle/>
-            <a:p>
-              <a:pPr algn="ctr"/>
-              <a:r>
-                <a:rPr lang="en-US" dirty="0"/>
-                <a:t>Testing</a:t>
-              </a:r>
-            </a:p>
-          </p:txBody>
-        </p:sp>
-      </p:grpSp>
-      <p:grpSp>
-        <p:nvGrpSpPr>
-          <p:cNvPr id="23" name="Group 22"/>
-          <p:cNvGrpSpPr/>
-          <p:nvPr/>
-        </p:nvGrpSpPr>
-        <p:grpSpPr>
-          <a:xfrm>
-            <a:off x="3520595" y="1900237"/>
-            <a:ext cx="2318326" cy="4246563"/>
-            <a:chOff x="554182" y="1690688"/>
-            <a:chExt cx="3011054" cy="4246563"/>
-          </a:xfrm>
-        </p:grpSpPr>
-        <p:sp>
-          <p:nvSpPr>
-            <p:cNvPr id="24" name="Rounded Rectangle 23"/>
-            <p:cNvSpPr/>
-            <p:nvPr/>
-          </p:nvSpPr>
-          <p:spPr>
-            <a:xfrm>
-              <a:off x="554182" y="1690688"/>
-              <a:ext cx="3011054" cy="4246563"/>
+              <a:off x="391886" y="1917133"/>
+              <a:ext cx="2318657" cy="4212771"/>
             </a:xfrm>
             <a:prstGeom prst="roundRect">
               <a:avLst/>
@@ -4071,33 +5565,31 @@
         </p:sp>
         <p:sp>
           <p:nvSpPr>
-            <p:cNvPr id="25" name="Rectangle 24"/>
+            <p:cNvPr id="39" name="Rounded Rectangle 38"/>
             <p:cNvSpPr/>
             <p:nvPr/>
           </p:nvSpPr>
           <p:spPr>
             <a:xfrm>
-              <a:off x="838200" y="2179782"/>
-              <a:ext cx="2366818" cy="628073"/>
+              <a:off x="519794" y="2058005"/>
+              <a:ext cx="2051956" cy="3940023"/>
             </a:xfrm>
-            <a:prstGeom prst="rect">
+            <a:prstGeom prst="roundRect">
               <a:avLst/>
             </a:prstGeom>
           </p:spPr>
           <p:style>
-            <a:lnRef idx="2">
-              <a:schemeClr val="accent4">
-                <a:shade val="50000"/>
-              </a:schemeClr>
+            <a:lnRef idx="1">
+              <a:schemeClr val="accent4"/>
             </a:lnRef>
-            <a:fillRef idx="1">
+            <a:fillRef idx="2">
               <a:schemeClr val="accent4"/>
             </a:fillRef>
-            <a:effectRef idx="0">
+            <a:effectRef idx="1">
               <a:schemeClr val="accent4"/>
             </a:effectRef>
             <a:fontRef idx="minor">
-              <a:schemeClr val="lt1"/>
+              <a:schemeClr val="dk1"/>
             </a:fontRef>
           </p:style>
           <p:txBody>
@@ -4106,166 +5598,45 @@
             <a:p>
               <a:pPr algn="ctr"/>
               <a:r>
-                <a:rPr lang="en-US" dirty="0"/>
-                <a:t>Requirement</a:t>
+                <a:rPr lang="en-US" sz="4400" dirty="0" smtClean="0"/>
+                <a:t>Sprint</a:t>
               </a:r>
             </a:p>
-          </p:txBody>
-        </p:sp>
-        <p:sp>
-          <p:nvSpPr>
-            <p:cNvPr id="26" name="Rectangle 25"/>
-            <p:cNvSpPr/>
-            <p:nvPr/>
-          </p:nvSpPr>
-          <p:spPr>
-            <a:xfrm>
-              <a:off x="838200" y="3101879"/>
-              <a:ext cx="2366818" cy="628073"/>
-            </a:xfrm>
-            <a:prstGeom prst="rect">
-              <a:avLst/>
-            </a:prstGeom>
-          </p:spPr>
-          <p:style>
-            <a:lnRef idx="2">
-              <a:schemeClr val="accent4">
-                <a:shade val="50000"/>
-              </a:schemeClr>
-            </a:lnRef>
-            <a:fillRef idx="1">
-              <a:schemeClr val="accent4"/>
-            </a:fillRef>
-            <a:effectRef idx="0">
-              <a:schemeClr val="accent4"/>
-            </a:effectRef>
-            <a:fontRef idx="minor">
-              <a:schemeClr val="lt1"/>
-            </a:fontRef>
-          </p:style>
-          <p:txBody>
-            <a:bodyPr rtlCol="0" anchor="ctr"/>
-            <a:lstStyle/>
             <a:p>
               <a:pPr algn="ctr"/>
               <a:r>
-                <a:rPr lang="en-US" dirty="0"/>
-                <a:t>Design</a:t>
+                <a:rPr lang="en-US" sz="4400" dirty="0" smtClean="0"/>
+                <a:t>1</a:t>
               </a:r>
-            </a:p>
-          </p:txBody>
-        </p:sp>
-        <p:sp>
-          <p:nvSpPr>
-            <p:cNvPr id="27" name="Rectangle 26"/>
-            <p:cNvSpPr/>
-            <p:nvPr/>
-          </p:nvSpPr>
-          <p:spPr>
-            <a:xfrm>
-              <a:off x="838200" y="4023976"/>
-              <a:ext cx="2366818" cy="628073"/>
-            </a:xfrm>
-            <a:prstGeom prst="rect">
-              <a:avLst/>
-            </a:prstGeom>
-          </p:spPr>
-          <p:style>
-            <a:lnRef idx="2">
-              <a:schemeClr val="accent4">
-                <a:shade val="50000"/>
-              </a:schemeClr>
-            </a:lnRef>
-            <a:fillRef idx="1">
-              <a:schemeClr val="accent4"/>
-            </a:fillRef>
-            <a:effectRef idx="0">
-              <a:schemeClr val="accent4"/>
-            </a:effectRef>
-            <a:fontRef idx="minor">
-              <a:schemeClr val="lt1"/>
-            </a:fontRef>
-          </p:style>
-          <p:txBody>
-            <a:bodyPr rtlCol="0" anchor="ctr"/>
-            <a:lstStyle/>
-            <a:p>
-              <a:pPr algn="ctr"/>
-              <a:r>
-                <a:rPr lang="en-US" dirty="0"/>
-                <a:t>Coding</a:t>
-              </a:r>
-            </a:p>
-          </p:txBody>
-        </p:sp>
-        <p:sp>
-          <p:nvSpPr>
-            <p:cNvPr id="28" name="Rectangle 27"/>
-            <p:cNvSpPr/>
-            <p:nvPr/>
-          </p:nvSpPr>
-          <p:spPr>
-            <a:xfrm>
-              <a:off x="838200" y="4946073"/>
-              <a:ext cx="2366818" cy="628073"/>
-            </a:xfrm>
-            <a:prstGeom prst="rect">
-              <a:avLst/>
-            </a:prstGeom>
-          </p:spPr>
-          <p:style>
-            <a:lnRef idx="2">
-              <a:schemeClr val="accent4">
-                <a:shade val="50000"/>
-              </a:schemeClr>
-            </a:lnRef>
-            <a:fillRef idx="1">
-              <a:schemeClr val="accent4"/>
-            </a:fillRef>
-            <a:effectRef idx="0">
-              <a:schemeClr val="accent4"/>
-            </a:effectRef>
-            <a:fontRef idx="minor">
-              <a:schemeClr val="lt1"/>
-            </a:fontRef>
-          </p:style>
-          <p:txBody>
-            <a:bodyPr rtlCol="0" anchor="ctr"/>
-            <a:lstStyle/>
-            <a:p>
-              <a:pPr algn="ctr"/>
-              <a:r>
-                <a:rPr lang="en-US" dirty="0"/>
-                <a:t>Testing</a:t>
-              </a:r>
+              <a:endParaRPr lang="en-US" sz="4400" dirty="0"/>
             </a:p>
           </p:txBody>
         </p:sp>
       </p:grpSp>
       <p:grpSp>
         <p:nvGrpSpPr>
-          <p:cNvPr id="29" name="Group 28"/>
+          <p:cNvPr id="41" name="Group 40"/>
           <p:cNvGrpSpPr/>
           <p:nvPr/>
         </p:nvGrpSpPr>
         <p:grpSpPr>
           <a:xfrm>
-            <a:off x="6514716" y="1900237"/>
-            <a:ext cx="2318326" cy="4246563"/>
-            <a:chOff x="554182" y="1690688"/>
-            <a:chExt cx="3011054" cy="4246563"/>
+            <a:off x="3401787" y="1917133"/>
+            <a:ext cx="2318657" cy="4212771"/>
+            <a:chOff x="391886" y="1917133"/>
+            <a:chExt cx="2318657" cy="4212771"/>
           </a:xfrm>
         </p:grpSpPr>
         <p:sp>
           <p:nvSpPr>
-            <p:cNvPr id="30" name="Rounded Rectangle 29"/>
+            <p:cNvPr id="42" name="Rounded Rectangle 41"/>
             <p:cNvSpPr/>
             <p:nvPr/>
           </p:nvSpPr>
           <p:spPr>
             <a:xfrm>
-              <a:off x="554182" y="1690688"/>
-              <a:ext cx="3011054" cy="4246563"/>
+              <a:off x="391886" y="1917133"/>
+              <a:ext cx="2318657" cy="4212771"/>
             </a:xfrm>
             <a:prstGeom prst="roundRect">
               <a:avLst/>
@@ -4298,33 +5669,31 @@
         </p:sp>
         <p:sp>
           <p:nvSpPr>
-            <p:cNvPr id="31" name="Rectangle 30"/>
+            <p:cNvPr id="43" name="Rounded Rectangle 42"/>
             <p:cNvSpPr/>
             <p:nvPr/>
           </p:nvSpPr>
           <p:spPr>
             <a:xfrm>
-              <a:off x="838200" y="2179782"/>
-              <a:ext cx="2366818" cy="628073"/>
+              <a:off x="519794" y="2058005"/>
+              <a:ext cx="2051956" cy="3940023"/>
             </a:xfrm>
-            <a:prstGeom prst="rect">
+            <a:prstGeom prst="roundRect">
               <a:avLst/>
             </a:prstGeom>
           </p:spPr>
           <p:style>
-            <a:lnRef idx="2">
-              <a:schemeClr val="accent4">
-                <a:shade val="50000"/>
-              </a:schemeClr>
+            <a:lnRef idx="1">
+              <a:schemeClr val="accent4"/>
             </a:lnRef>
-            <a:fillRef idx="1">
+            <a:fillRef idx="2">
               <a:schemeClr val="accent4"/>
             </a:fillRef>
-            <a:effectRef idx="0">
+            <a:effectRef idx="1">
               <a:schemeClr val="accent4"/>
             </a:effectRef>
             <a:fontRef idx="minor">
-              <a:schemeClr val="lt1"/>
+              <a:schemeClr val="dk1"/>
             </a:fontRef>
           </p:style>
           <p:txBody>
@@ -4333,166 +5702,45 @@
             <a:p>
               <a:pPr algn="ctr"/>
               <a:r>
-                <a:rPr lang="en-US" dirty="0"/>
-                <a:t>Requirement</a:t>
+                <a:rPr lang="en-US" sz="4400" dirty="0" smtClean="0"/>
+                <a:t>Sprint</a:t>
               </a:r>
             </a:p>
-          </p:txBody>
-        </p:sp>
-        <p:sp>
-          <p:nvSpPr>
-            <p:cNvPr id="32" name="Rectangle 31"/>
-            <p:cNvSpPr/>
-            <p:nvPr/>
-          </p:nvSpPr>
-          <p:spPr>
-            <a:xfrm>
-              <a:off x="838200" y="3101879"/>
-              <a:ext cx="2366818" cy="628073"/>
-            </a:xfrm>
-            <a:prstGeom prst="rect">
-              <a:avLst/>
-            </a:prstGeom>
-          </p:spPr>
-          <p:style>
-            <a:lnRef idx="2">
-              <a:schemeClr val="accent4">
-                <a:shade val="50000"/>
-              </a:schemeClr>
-            </a:lnRef>
-            <a:fillRef idx="1">
-              <a:schemeClr val="accent4"/>
-            </a:fillRef>
-            <a:effectRef idx="0">
-              <a:schemeClr val="accent4"/>
-            </a:effectRef>
-            <a:fontRef idx="minor">
-              <a:schemeClr val="lt1"/>
-            </a:fontRef>
-          </p:style>
-          <p:txBody>
-            <a:bodyPr rtlCol="0" anchor="ctr"/>
-            <a:lstStyle/>
             <a:p>
               <a:pPr algn="ctr"/>
               <a:r>
-                <a:rPr lang="en-US" dirty="0"/>
-                <a:t>Design</a:t>
+                <a:rPr lang="en-US" sz="4400" dirty="0" smtClean="0"/>
+                <a:t>2</a:t>
               </a:r>
-            </a:p>
-          </p:txBody>
-        </p:sp>
-        <p:sp>
-          <p:nvSpPr>
-            <p:cNvPr id="33" name="Rectangle 32"/>
-            <p:cNvSpPr/>
-            <p:nvPr/>
-          </p:nvSpPr>
-          <p:spPr>
-            <a:xfrm>
-              <a:off x="838200" y="4023976"/>
-              <a:ext cx="2366818" cy="628073"/>
-            </a:xfrm>
-            <a:prstGeom prst="rect">
-              <a:avLst/>
-            </a:prstGeom>
-          </p:spPr>
-          <p:style>
-            <a:lnRef idx="2">
-              <a:schemeClr val="accent4">
-                <a:shade val="50000"/>
-              </a:schemeClr>
-            </a:lnRef>
-            <a:fillRef idx="1">
-              <a:schemeClr val="accent4"/>
-            </a:fillRef>
-            <a:effectRef idx="0">
-              <a:schemeClr val="accent4"/>
-            </a:effectRef>
-            <a:fontRef idx="minor">
-              <a:schemeClr val="lt1"/>
-            </a:fontRef>
-          </p:style>
-          <p:txBody>
-            <a:bodyPr rtlCol="0" anchor="ctr"/>
-            <a:lstStyle/>
-            <a:p>
-              <a:pPr algn="ctr"/>
-              <a:r>
-                <a:rPr lang="en-US" dirty="0"/>
-                <a:t>Coding</a:t>
-              </a:r>
-            </a:p>
-          </p:txBody>
-        </p:sp>
-        <p:sp>
-          <p:nvSpPr>
-            <p:cNvPr id="34" name="Rectangle 33"/>
-            <p:cNvSpPr/>
-            <p:nvPr/>
-          </p:nvSpPr>
-          <p:spPr>
-            <a:xfrm>
-              <a:off x="838200" y="4946073"/>
-              <a:ext cx="2366818" cy="628073"/>
-            </a:xfrm>
-            <a:prstGeom prst="rect">
-              <a:avLst/>
-            </a:prstGeom>
-          </p:spPr>
-          <p:style>
-            <a:lnRef idx="2">
-              <a:schemeClr val="accent4">
-                <a:shade val="50000"/>
-              </a:schemeClr>
-            </a:lnRef>
-            <a:fillRef idx="1">
-              <a:schemeClr val="accent4"/>
-            </a:fillRef>
-            <a:effectRef idx="0">
-              <a:schemeClr val="accent4"/>
-            </a:effectRef>
-            <a:fontRef idx="minor">
-              <a:schemeClr val="lt1"/>
-            </a:fontRef>
-          </p:style>
-          <p:txBody>
-            <a:bodyPr rtlCol="0" anchor="ctr"/>
-            <a:lstStyle/>
-            <a:p>
-              <a:pPr algn="ctr"/>
-              <a:r>
-                <a:rPr lang="en-US" dirty="0"/>
-                <a:t>Testing</a:t>
-              </a:r>
+              <a:endParaRPr lang="en-US" sz="4400" dirty="0"/>
             </a:p>
           </p:txBody>
         </p:sp>
       </p:grpSp>
       <p:grpSp>
         <p:nvGrpSpPr>
-          <p:cNvPr id="35" name="Group 34"/>
+          <p:cNvPr id="44" name="Group 43"/>
           <p:cNvGrpSpPr/>
           <p:nvPr/>
         </p:nvGrpSpPr>
         <p:grpSpPr>
           <a:xfrm>
-            <a:off x="9508838" y="1900237"/>
-            <a:ext cx="2318326" cy="4246563"/>
-            <a:chOff x="554182" y="1690688"/>
-            <a:chExt cx="3011054" cy="4246563"/>
+            <a:off x="6471556" y="1906550"/>
+            <a:ext cx="2318657" cy="4212771"/>
+            <a:chOff x="391886" y="1917133"/>
+            <a:chExt cx="2318657" cy="4212771"/>
           </a:xfrm>
         </p:grpSpPr>
         <p:sp>
           <p:nvSpPr>
-            <p:cNvPr id="36" name="Rounded Rectangle 35"/>
+            <p:cNvPr id="45" name="Rounded Rectangle 44"/>
             <p:cNvSpPr/>
             <p:nvPr/>
           </p:nvSpPr>
           <p:spPr>
             <a:xfrm>
-              <a:off x="554182" y="1690688"/>
-              <a:ext cx="3011054" cy="4246563"/>
+              <a:off x="391886" y="1917133"/>
+              <a:ext cx="2318657" cy="4212771"/>
             </a:xfrm>
             <a:prstGeom prst="roundRect">
               <a:avLst/>
@@ -4525,30 +5773,94 @@
         </p:sp>
         <p:sp>
           <p:nvSpPr>
-            <p:cNvPr id="37" name="Rectangle 36"/>
+            <p:cNvPr id="46" name="Rounded Rectangle 45"/>
             <p:cNvSpPr/>
             <p:nvPr/>
           </p:nvSpPr>
           <p:spPr>
             <a:xfrm>
-              <a:off x="838200" y="2179782"/>
-              <a:ext cx="2366818" cy="628073"/>
+              <a:off x="519794" y="2058005"/>
+              <a:ext cx="2051956" cy="3940023"/>
             </a:xfrm>
-            <a:prstGeom prst="rect">
+            <a:prstGeom prst="roundRect">
+              <a:avLst/>
+            </a:prstGeom>
+          </p:spPr>
+          <p:style>
+            <a:lnRef idx="1">
+              <a:schemeClr val="accent4"/>
+            </a:lnRef>
+            <a:fillRef idx="2">
+              <a:schemeClr val="accent4"/>
+            </a:fillRef>
+            <a:effectRef idx="1">
+              <a:schemeClr val="accent4"/>
+            </a:effectRef>
+            <a:fontRef idx="minor">
+              <a:schemeClr val="dk1"/>
+            </a:fontRef>
+          </p:style>
+          <p:txBody>
+            <a:bodyPr rtlCol="0" anchor="ctr"/>
+            <a:lstStyle/>
+            <a:p>
+              <a:pPr algn="ctr"/>
+              <a:r>
+                <a:rPr lang="en-US" sz="4400" dirty="0" smtClean="0"/>
+                <a:t>Sprint</a:t>
+              </a:r>
+            </a:p>
+            <a:p>
+              <a:pPr algn="ctr"/>
+              <a:r>
+                <a:rPr lang="en-US" sz="4400" dirty="0" smtClean="0"/>
+                <a:t>3</a:t>
+              </a:r>
+              <a:endParaRPr lang="en-US" sz="4400" dirty="0"/>
+            </a:p>
+          </p:txBody>
+        </p:sp>
+      </p:grpSp>
+      <p:grpSp>
+        <p:nvGrpSpPr>
+          <p:cNvPr id="47" name="Group 46"/>
+          <p:cNvGrpSpPr/>
+          <p:nvPr/>
+        </p:nvGrpSpPr>
+        <p:grpSpPr>
+          <a:xfrm>
+            <a:off x="9481457" y="1839988"/>
+            <a:ext cx="2318657" cy="4212771"/>
+            <a:chOff x="391886" y="1917133"/>
+            <a:chExt cx="2318657" cy="4212771"/>
+          </a:xfrm>
+        </p:grpSpPr>
+        <p:sp>
+          <p:nvSpPr>
+            <p:cNvPr id="48" name="Rounded Rectangle 47"/>
+            <p:cNvSpPr/>
+            <p:nvPr/>
+          </p:nvSpPr>
+          <p:spPr>
+            <a:xfrm>
+              <a:off x="391886" y="1917133"/>
+              <a:ext cx="2318657" cy="4212771"/>
+            </a:xfrm>
+            <a:prstGeom prst="roundRect">
               <a:avLst/>
             </a:prstGeom>
           </p:spPr>
           <p:style>
             <a:lnRef idx="2">
-              <a:schemeClr val="accent4">
+              <a:schemeClr val="accent1">
                 <a:shade val="50000"/>
               </a:schemeClr>
             </a:lnRef>
             <a:fillRef idx="1">
-              <a:schemeClr val="accent4"/>
+              <a:schemeClr val="accent1"/>
             </a:fillRef>
             <a:effectRef idx="0">
-              <a:schemeClr val="accent4"/>
+              <a:schemeClr val="accent1"/>
             </a:effectRef>
             <a:fontRef idx="minor">
               <a:schemeClr val="lt1"/>
@@ -4559,42 +5871,37 @@
             <a:lstStyle/>
             <a:p>
               <a:pPr algn="ctr"/>
-              <a:r>
-                <a:rPr lang="en-US" dirty="0"/>
-                <a:t>Requirement</a:t>
-              </a:r>
+              <a:endParaRPr lang="en-US"/>
             </a:p>
           </p:txBody>
         </p:sp>
         <p:sp>
           <p:nvSpPr>
-            <p:cNvPr id="38" name="Rectangle 37"/>
+            <p:cNvPr id="49" name="Rounded Rectangle 48"/>
             <p:cNvSpPr/>
             <p:nvPr/>
           </p:nvSpPr>
           <p:spPr>
             <a:xfrm>
-              <a:off x="838200" y="3101879"/>
-              <a:ext cx="2366818" cy="628073"/>
+              <a:off x="519794" y="2058005"/>
+              <a:ext cx="2051956" cy="3940023"/>
             </a:xfrm>
-            <a:prstGeom prst="rect">
+            <a:prstGeom prst="roundRect">
               <a:avLst/>
             </a:prstGeom>
           </p:spPr>
           <p:style>
-            <a:lnRef idx="2">
-              <a:schemeClr val="accent4">
-                <a:shade val="50000"/>
-              </a:schemeClr>
+            <a:lnRef idx="1">
+              <a:schemeClr val="accent4"/>
             </a:lnRef>
-            <a:fillRef idx="1">
+            <a:fillRef idx="2">
               <a:schemeClr val="accent4"/>
             </a:fillRef>
-            <a:effectRef idx="0">
+            <a:effectRef idx="1">
               <a:schemeClr val="accent4"/>
             </a:effectRef>
             <a:fontRef idx="minor">
-              <a:schemeClr val="lt1"/>
+              <a:schemeClr val="dk1"/>
             </a:fontRef>
           </p:style>
           <p:txBody>
@@ -4603,570 +5910,38 @@
             <a:p>
               <a:pPr algn="ctr"/>
               <a:r>
-                <a:rPr lang="en-US" dirty="0"/>
-                <a:t>Design</a:t>
+                <a:rPr lang="en-US" sz="4400" dirty="0" smtClean="0"/>
+                <a:t>Sprint</a:t>
               </a:r>
             </a:p>
-          </p:txBody>
-        </p:sp>
-        <p:sp>
-          <p:nvSpPr>
-            <p:cNvPr id="39" name="Rectangle 38"/>
-            <p:cNvSpPr/>
-            <p:nvPr/>
-          </p:nvSpPr>
-          <p:spPr>
-            <a:xfrm>
-              <a:off x="838200" y="4023976"/>
-              <a:ext cx="2366818" cy="628073"/>
-            </a:xfrm>
-            <a:prstGeom prst="rect">
-              <a:avLst/>
-            </a:prstGeom>
-          </p:spPr>
-          <p:style>
-            <a:lnRef idx="2">
-              <a:schemeClr val="accent4">
-                <a:shade val="50000"/>
-              </a:schemeClr>
-            </a:lnRef>
-            <a:fillRef idx="1">
-              <a:schemeClr val="accent4"/>
-            </a:fillRef>
-            <a:effectRef idx="0">
-              <a:schemeClr val="accent4"/>
-            </a:effectRef>
-            <a:fontRef idx="minor">
-              <a:schemeClr val="lt1"/>
-            </a:fontRef>
-          </p:style>
-          <p:txBody>
-            <a:bodyPr rtlCol="0" anchor="ctr"/>
-            <a:lstStyle/>
             <a:p>
               <a:pPr algn="ctr"/>
               <a:r>
-                <a:rPr lang="en-US" dirty="0"/>
-                <a:t>Coding</a:t>
+                <a:rPr lang="en-US" sz="4400" dirty="0" smtClean="0"/>
+                <a:t>4</a:t>
               </a:r>
-            </a:p>
-          </p:txBody>
-        </p:sp>
-        <p:sp>
-          <p:nvSpPr>
-            <p:cNvPr id="40" name="Rectangle 39"/>
-            <p:cNvSpPr/>
-            <p:nvPr/>
-          </p:nvSpPr>
-          <p:spPr>
-            <a:xfrm>
-              <a:off x="838200" y="4946073"/>
-              <a:ext cx="2366818" cy="628073"/>
-            </a:xfrm>
-            <a:prstGeom prst="rect">
-              <a:avLst/>
-            </a:prstGeom>
-          </p:spPr>
-          <p:style>
-            <a:lnRef idx="2">
-              <a:schemeClr val="accent4">
-                <a:shade val="50000"/>
-              </a:schemeClr>
-            </a:lnRef>
-            <a:fillRef idx="1">
-              <a:schemeClr val="accent4"/>
-            </a:fillRef>
-            <a:effectRef idx="0">
-              <a:schemeClr val="accent4"/>
-            </a:effectRef>
-            <a:fontRef idx="minor">
-              <a:schemeClr val="lt1"/>
-            </a:fontRef>
-          </p:style>
-          <p:txBody>
-            <a:bodyPr rtlCol="0" anchor="ctr"/>
-            <a:lstStyle/>
-            <a:p>
-              <a:pPr algn="ctr"/>
-              <a:r>
-                <a:rPr lang="en-US" dirty="0"/>
-                <a:t>Testing</a:t>
-              </a:r>
+              <a:endParaRPr lang="en-US" sz="4400" dirty="0"/>
             </a:p>
           </p:txBody>
         </p:sp>
       </p:grpSp>
-      <p:cxnSp>
-        <p:nvCxnSpPr>
-          <p:cNvPr id="42" name="Straight Arrow Connector 41"/>
-          <p:cNvCxnSpPr>
-            <a:stCxn id="5" idx="3"/>
-            <a:endCxn id="24" idx="1"/>
-          </p:cNvCxnSpPr>
-          <p:nvPr/>
-        </p:nvCxnSpPr>
-        <p:spPr>
-          <a:xfrm>
-            <a:off x="2844800" y="4023519"/>
-            <a:ext cx="675795" cy="0"/>
-          </a:xfrm>
-          <a:prstGeom prst="straightConnector1">
-            <a:avLst/>
-          </a:prstGeom>
-          <a:ln>
-            <a:tailEnd type="triangle"/>
-          </a:ln>
-        </p:spPr>
-        <p:style>
-          <a:lnRef idx="1">
-            <a:schemeClr val="accent1"/>
-          </a:lnRef>
-          <a:fillRef idx="0">
-            <a:schemeClr val="accent1"/>
-          </a:fillRef>
-          <a:effectRef idx="0">
-            <a:schemeClr val="accent1"/>
-          </a:effectRef>
-          <a:fontRef idx="minor">
-            <a:schemeClr val="tx1"/>
-          </a:fontRef>
-        </p:style>
-      </p:cxnSp>
-      <p:cxnSp>
-        <p:nvCxnSpPr>
-          <p:cNvPr id="44" name="Straight Arrow Connector 43"/>
-          <p:cNvCxnSpPr>
-            <a:stCxn id="24" idx="3"/>
-            <a:endCxn id="30" idx="1"/>
-          </p:cNvCxnSpPr>
-          <p:nvPr/>
-        </p:nvCxnSpPr>
-        <p:spPr>
-          <a:xfrm>
-            <a:off x="5838921" y="4023519"/>
-            <a:ext cx="675795" cy="0"/>
-          </a:xfrm>
-          <a:prstGeom prst="straightConnector1">
-            <a:avLst/>
-          </a:prstGeom>
-          <a:ln>
-            <a:tailEnd type="triangle"/>
-          </a:ln>
-        </p:spPr>
-        <p:style>
-          <a:lnRef idx="1">
-            <a:schemeClr val="accent1"/>
-          </a:lnRef>
-          <a:fillRef idx="0">
-            <a:schemeClr val="accent1"/>
-          </a:fillRef>
-          <a:effectRef idx="0">
-            <a:schemeClr val="accent1"/>
-          </a:effectRef>
-          <a:fontRef idx="minor">
-            <a:schemeClr val="tx1"/>
-          </a:fontRef>
-        </p:style>
-      </p:cxnSp>
-      <p:cxnSp>
-        <p:nvCxnSpPr>
-          <p:cNvPr id="46" name="Straight Arrow Connector 45"/>
-          <p:cNvCxnSpPr>
-            <a:stCxn id="30" idx="3"/>
-            <a:endCxn id="36" idx="1"/>
-          </p:cNvCxnSpPr>
-          <p:nvPr/>
-        </p:nvCxnSpPr>
-        <p:spPr>
-          <a:xfrm>
-            <a:off x="8833042" y="4023519"/>
-            <a:ext cx="675796" cy="0"/>
-          </a:xfrm>
-          <a:prstGeom prst="straightConnector1">
-            <a:avLst/>
-          </a:prstGeom>
-          <a:ln>
-            <a:tailEnd type="triangle"/>
-          </a:ln>
-        </p:spPr>
-        <p:style>
-          <a:lnRef idx="1">
-            <a:schemeClr val="accent1"/>
-          </a:lnRef>
-          <a:fillRef idx="0">
-            <a:schemeClr val="accent1"/>
-          </a:fillRef>
-          <a:effectRef idx="0">
-            <a:schemeClr val="accent1"/>
-          </a:effectRef>
-          <a:fontRef idx="minor">
-            <a:schemeClr val="tx1"/>
-          </a:fontRef>
-        </p:style>
-      </p:cxnSp>
-      <p:sp>
-        <p:nvSpPr>
-          <p:cNvPr id="51" name="TextBox 50"/>
-          <p:cNvSpPr txBox="1"/>
-          <p:nvPr/>
-        </p:nvSpPr>
-        <p:spPr>
-          <a:xfrm>
-            <a:off x="1285303" y="1955500"/>
-            <a:ext cx="741998" cy="369332"/>
-          </a:xfrm>
-          <a:prstGeom prst="rect">
-            <a:avLst/>
-          </a:prstGeom>
-          <a:noFill/>
-        </p:spPr>
-        <p:txBody>
-          <a:bodyPr wrap="none" rtlCol="0">
-            <a:spAutoFit/>
-          </a:bodyPr>
-          <a:lstStyle/>
-          <a:p>
-            <a:r>
-              <a:rPr lang="en-US" dirty="0">
-                <a:solidFill>
-                  <a:schemeClr val="bg1"/>
-                </a:solidFill>
-              </a:rPr>
-              <a:t>Sprint</a:t>
-            </a:r>
-          </a:p>
-        </p:txBody>
-      </p:sp>
-      <p:sp>
-        <p:nvSpPr>
-          <p:cNvPr id="52" name="TextBox 51"/>
-          <p:cNvSpPr txBox="1"/>
-          <p:nvPr/>
-        </p:nvSpPr>
-        <p:spPr>
-          <a:xfrm>
-            <a:off x="4308759" y="1960118"/>
-            <a:ext cx="741998" cy="369332"/>
-          </a:xfrm>
-          <a:prstGeom prst="rect">
-            <a:avLst/>
-          </a:prstGeom>
-          <a:noFill/>
-        </p:spPr>
-        <p:txBody>
-          <a:bodyPr wrap="none" rtlCol="0">
-            <a:spAutoFit/>
-          </a:bodyPr>
-          <a:lstStyle/>
-          <a:p>
-            <a:r>
-              <a:rPr lang="en-US" dirty="0">
-                <a:solidFill>
-                  <a:schemeClr val="bg1"/>
-                </a:solidFill>
-              </a:rPr>
-              <a:t>Sprint</a:t>
-            </a:r>
-          </a:p>
-        </p:txBody>
-      </p:sp>
-      <p:sp>
-        <p:nvSpPr>
-          <p:cNvPr id="53" name="TextBox 52"/>
-          <p:cNvSpPr txBox="1"/>
-          <p:nvPr/>
-        </p:nvSpPr>
-        <p:spPr>
-          <a:xfrm>
-            <a:off x="7302880" y="1950036"/>
-            <a:ext cx="741998" cy="369332"/>
-          </a:xfrm>
-          <a:prstGeom prst="rect">
-            <a:avLst/>
-          </a:prstGeom>
-          <a:noFill/>
-        </p:spPr>
-        <p:txBody>
-          <a:bodyPr wrap="none" rtlCol="0">
-            <a:spAutoFit/>
-          </a:bodyPr>
-          <a:lstStyle/>
-          <a:p>
-            <a:r>
-              <a:rPr lang="en-US" dirty="0">
-                <a:solidFill>
-                  <a:schemeClr val="bg1"/>
-                </a:solidFill>
-              </a:rPr>
-              <a:t>Sprint</a:t>
-            </a:r>
-          </a:p>
-        </p:txBody>
-      </p:sp>
-      <p:sp>
-        <p:nvSpPr>
-          <p:cNvPr id="54" name="TextBox 53"/>
-          <p:cNvSpPr txBox="1"/>
-          <p:nvPr/>
-        </p:nvSpPr>
-        <p:spPr>
-          <a:xfrm>
-            <a:off x="10297002" y="1950036"/>
-            <a:ext cx="741998" cy="369332"/>
-          </a:xfrm>
-          <a:prstGeom prst="rect">
-            <a:avLst/>
-          </a:prstGeom>
-          <a:noFill/>
-        </p:spPr>
-        <p:txBody>
-          <a:bodyPr wrap="none" rtlCol="0">
-            <a:spAutoFit/>
-          </a:bodyPr>
-          <a:lstStyle/>
-          <a:p>
-            <a:r>
-              <a:rPr lang="en-US" dirty="0">
-                <a:solidFill>
-                  <a:schemeClr val="bg1"/>
-                </a:solidFill>
-              </a:rPr>
-              <a:t>Sprint</a:t>
-            </a:r>
-          </a:p>
-        </p:txBody>
-      </p:sp>
     </p:spTree>
     <p:extLst>
       <p:ext uri="{BB962C8B-B14F-4D97-AF65-F5344CB8AC3E}">
-        <p14:creationId xmlns:p14="http://schemas.microsoft.com/office/powerpoint/2010/main" val="1556957858"/>
+        <p14:creationId xmlns:p14="http://schemas.microsoft.com/office/powerpoint/2010/main" val="455830389"/>
       </p:ext>
     </p:extLst>
   </p:cSld>
   <p:clrMapOvr>
     <a:masterClrMapping/>
   </p:clrMapOvr>
-</p:sld>
-</file>
-
-<file path=ppt/slides/slide4.xml><?xml version="1.0" encoding="utf-8"?>
-<p:sld xmlns:a="http://schemas.openxmlformats.org/drawingml/2006/main" xmlns:r="http://schemas.openxmlformats.org/officeDocument/2006/relationships" xmlns:p="http://schemas.openxmlformats.org/presentationml/2006/main">
-  <p:cSld>
-    <p:spTree>
-      <p:nvGrpSpPr>
-        <p:cNvPr id="1" name=""/>
-        <p:cNvGrpSpPr/>
-        <p:nvPr/>
-      </p:nvGrpSpPr>
-      <p:grpSpPr>
-        <a:xfrm>
-          <a:off x="0" y="0"/>
-          <a:ext cx="0" cy="0"/>
-          <a:chOff x="0" y="0"/>
-          <a:chExt cx="0" cy="0"/>
-        </a:xfrm>
-      </p:grpSpPr>
-      <p:sp>
-        <p:nvSpPr>
-          <p:cNvPr id="2" name="Title 1"/>
-          <p:cNvSpPr>
-            <a:spLocks noGrp="1"/>
-          </p:cNvSpPr>
-          <p:nvPr>
-            <p:ph type="title"/>
-          </p:nvPr>
-        </p:nvSpPr>
-        <p:spPr/>
-        <p:txBody>
-          <a:bodyPr/>
-          <a:lstStyle/>
-          <a:p>
-            <a:r>
-              <a:rPr lang="en-US" dirty="0"/>
-              <a:t>Scrum</a:t>
-            </a:r>
-          </a:p>
-        </p:txBody>
-      </p:sp>
-      <p:sp>
-        <p:nvSpPr>
-          <p:cNvPr id="3" name="Content Placeholder 2"/>
-          <p:cNvSpPr>
-            <a:spLocks noGrp="1"/>
-          </p:cNvSpPr>
-          <p:nvPr>
-            <p:ph idx="1"/>
-          </p:nvPr>
-        </p:nvSpPr>
-        <p:spPr/>
-        <p:txBody>
-          <a:bodyPr>
-            <a:normAutofit fontScale="92500" lnSpcReduction="20000"/>
-          </a:bodyPr>
-          <a:lstStyle/>
-          <a:p>
-            <a:r>
-              <a:rPr lang="en-US" dirty="0"/>
-              <a:t>Scrum Team</a:t>
-            </a:r>
-            <a:endParaRPr lang="zh-CN" altLang="en-US" dirty="0"/>
-          </a:p>
-          <a:p>
-            <a:pPr lvl="1">
-              <a:buFont typeface="Wingdings" panose="05000000000000000000" pitchFamily="2" charset="2"/>
-              <a:buChar char="Ø"/>
-            </a:pPr>
-            <a:r>
-              <a:rPr lang="en-US" dirty="0"/>
-              <a:t>A Product Owner</a:t>
-            </a:r>
-            <a:endParaRPr lang="en-US" altLang="zh-CN" dirty="0"/>
-          </a:p>
-          <a:p>
-            <a:pPr lvl="1">
-              <a:buFont typeface="Wingdings" panose="05000000000000000000" pitchFamily="2" charset="2"/>
-              <a:buChar char="Ø"/>
-            </a:pPr>
-            <a:r>
-              <a:rPr lang="en-US" dirty="0"/>
-              <a:t>Development Team</a:t>
-            </a:r>
-            <a:endParaRPr lang="zh-CN" altLang="en-US" dirty="0"/>
-          </a:p>
-          <a:p>
-            <a:pPr lvl="1">
-              <a:buFont typeface="Wingdings" panose="05000000000000000000" pitchFamily="2" charset="2"/>
-              <a:buChar char="Ø"/>
-            </a:pPr>
-            <a:r>
-              <a:rPr lang="en-US" dirty="0"/>
-              <a:t>A Scrum Master</a:t>
-            </a:r>
-            <a:endParaRPr lang="zh-CN" altLang="en-US" dirty="0"/>
-          </a:p>
-          <a:p>
-            <a:r>
-              <a:rPr lang="en-US" dirty="0"/>
-              <a:t>Scrum Events</a:t>
-            </a:r>
-            <a:endParaRPr lang="zh-CN" altLang="en-US" dirty="0"/>
-          </a:p>
-          <a:p>
-            <a:pPr lvl="1">
-              <a:buFont typeface="Wingdings" panose="05000000000000000000" pitchFamily="2" charset="2"/>
-              <a:buChar char="Ø"/>
-            </a:pPr>
-            <a:r>
-              <a:rPr lang="en-US" dirty="0"/>
-              <a:t>The Sprint</a:t>
-            </a:r>
-          </a:p>
-          <a:p>
-            <a:pPr lvl="1">
-              <a:buFont typeface="Wingdings" panose="05000000000000000000" pitchFamily="2" charset="2"/>
-              <a:buChar char="Ø"/>
-            </a:pPr>
-            <a:r>
-              <a:rPr lang="en-US" dirty="0"/>
-              <a:t>Sprint Planning</a:t>
-            </a:r>
-          </a:p>
-          <a:p>
-            <a:pPr lvl="1">
-              <a:buFont typeface="Wingdings" panose="05000000000000000000" pitchFamily="2" charset="2"/>
-              <a:buChar char="Ø"/>
-            </a:pPr>
-            <a:r>
-              <a:rPr lang="en-US" dirty="0"/>
-              <a:t>Daily Scrum</a:t>
-            </a:r>
-            <a:endParaRPr lang="zh-CN" altLang="en-US" dirty="0"/>
-          </a:p>
-          <a:p>
-            <a:pPr lvl="1">
-              <a:buFont typeface="Wingdings" panose="05000000000000000000" pitchFamily="2" charset="2"/>
-              <a:buChar char="Ø"/>
-            </a:pPr>
-            <a:r>
-              <a:rPr lang="en-US" dirty="0"/>
-              <a:t>Sprint Review</a:t>
-            </a:r>
-            <a:endParaRPr lang="zh-CN" altLang="en-US" dirty="0"/>
-          </a:p>
-          <a:p>
-            <a:pPr lvl="1">
-              <a:buFont typeface="Wingdings" panose="05000000000000000000" pitchFamily="2" charset="2"/>
-              <a:buChar char="Ø"/>
-            </a:pPr>
-            <a:r>
-              <a:rPr lang="en-US" dirty="0"/>
-              <a:t>Sprint Retrospective</a:t>
-            </a:r>
-            <a:endParaRPr lang="zh-CN" altLang="en-US" dirty="0"/>
-          </a:p>
-          <a:p>
-            <a:r>
-              <a:rPr lang="en-US" dirty="0"/>
-              <a:t>Scrum Artifacts</a:t>
-            </a:r>
-            <a:endParaRPr lang="zh-CN" altLang="en-US" dirty="0"/>
-          </a:p>
-          <a:p>
-            <a:pPr lvl="1">
-              <a:buFont typeface="Wingdings" panose="05000000000000000000" pitchFamily="2" charset="2"/>
-              <a:buChar char="Ø"/>
-            </a:pPr>
-            <a:r>
-              <a:rPr lang="en-US" dirty="0"/>
-              <a:t>Product Backlog</a:t>
-            </a:r>
-            <a:endParaRPr lang="zh-CN" altLang="en-US" dirty="0"/>
-          </a:p>
-          <a:p>
-            <a:pPr lvl="1">
-              <a:buFont typeface="Wingdings" panose="05000000000000000000" pitchFamily="2" charset="2"/>
-              <a:buChar char="Ø"/>
-            </a:pPr>
-            <a:r>
-              <a:rPr lang="en-US" dirty="0"/>
-              <a:t>Sprint Backlog</a:t>
-            </a:r>
-          </a:p>
-        </p:txBody>
-      </p:sp>
-      <p:sp>
-        <p:nvSpPr>
-          <p:cNvPr id="4" name="Slide Number Placeholder 3"/>
-          <p:cNvSpPr>
-            <a:spLocks noGrp="1"/>
-          </p:cNvSpPr>
-          <p:nvPr>
-            <p:ph type="sldNum" sz="quarter" idx="12"/>
-          </p:nvPr>
-        </p:nvSpPr>
-        <p:spPr/>
-        <p:txBody>
-          <a:bodyPr/>
-          <a:lstStyle/>
-          <a:p>
-            <a:r>
-              <a:rPr lang="en-US"/>
-              <a:t>http://www.garfieldwiki.com</a:t>
-            </a:r>
-            <a:endParaRPr lang="en-US" dirty="0"/>
-          </a:p>
-        </p:txBody>
-      </p:sp>
-    </p:spTree>
-    <p:extLst>
-      <p:ext uri="{BB962C8B-B14F-4D97-AF65-F5344CB8AC3E}">
-        <p14:creationId xmlns:p14="http://schemas.microsoft.com/office/powerpoint/2010/main" val="1210111394"/>
-      </p:ext>
-    </p:extLst>
-  </p:cSld>
-  <p:clrMapOvr>
-    <a:masterClrMapping/>
-  </p:clrMapOvr>
+  <p:timing>
+    <p:tnLst>
+      <p:par>
+        <p:cTn id="1" dur="indefinite" restart="never" nodeType="tmRoot"/>
+      </p:par>
+    </p:tnLst>
+  </p:timing>
 </p:sld>
 </file>
 
@@ -5203,21 +5978,43 @@
           <a:lstStyle/>
           <a:p>
             <a:r>
-              <a:rPr lang="en-US" dirty="0"/>
-              <a:t>Scrum</a:t>
-            </a:r>
+              <a:rPr lang="en-US" dirty="0" smtClean="0"/>
+              <a:t>Scrum Team</a:t>
+            </a:r>
+            <a:endParaRPr lang="en-US" dirty="0"/>
+          </a:p>
+        </p:txBody>
+      </p:sp>
+      <p:sp>
+        <p:nvSpPr>
+          <p:cNvPr id="4" name="Slide Number Placeholder 3"/>
+          <p:cNvSpPr>
+            <a:spLocks noGrp="1"/>
+          </p:cNvSpPr>
+          <p:nvPr>
+            <p:ph type="sldNum" sz="quarter" idx="12"/>
+          </p:nvPr>
+        </p:nvSpPr>
+        <p:spPr/>
+        <p:txBody>
+          <a:bodyPr/>
+          <a:lstStyle/>
+          <a:p>
+            <a:r>
+              <a:rPr lang="en-US" smtClean="0"/>
+              <a:t>http://www.garfieldwiki.com</a:t>
+            </a:r>
+            <a:endParaRPr lang="en-US" dirty="0"/>
           </a:p>
         </p:txBody>
       </p:sp>
       <p:pic>
         <p:nvPicPr>
-          <p:cNvPr id="4" name="Content Placeholder 3"/>
+          <p:cNvPr id="5" name="Picture 4"/>
           <p:cNvPicPr>
-            <a:picLocks noGrp="1" noChangeAspect="1"/>
+            <a:picLocks noChangeAspect="1"/>
           </p:cNvPicPr>
-          <p:nvPr>
-            <p:ph idx="1"/>
-          </p:nvPr>
+          <p:nvPr/>
         </p:nvPicPr>
         <p:blipFill>
           <a:blip r:embed="rId2">
@@ -5233,48 +6030,371 @@
         </p:blipFill>
         <p:spPr>
           <a:xfrm>
-            <a:off x="838200" y="1351630"/>
-            <a:ext cx="9715500" cy="5506370"/>
+            <a:off x="1066800" y="2013498"/>
+            <a:ext cx="10058400" cy="4342852"/>
           </a:xfrm>
+          <a:prstGeom prst="rect">
+            <a:avLst/>
+          </a:prstGeom>
         </p:spPr>
       </p:pic>
-      <p:sp>
-        <p:nvSpPr>
-          <p:cNvPr id="3" name="Slide Number Placeholder 2"/>
-          <p:cNvSpPr>
-            <a:spLocks noGrp="1"/>
-          </p:cNvSpPr>
-          <p:nvPr>
-            <p:ph type="sldNum" sz="quarter" idx="12"/>
-          </p:nvPr>
-        </p:nvSpPr>
-        <p:spPr/>
-        <p:txBody>
-          <a:bodyPr/>
-          <a:lstStyle/>
-          <a:p>
-            <a:r>
-              <a:rPr lang="en-US"/>
-              <a:t>http://www.garfieldwiki.com</a:t>
-            </a:r>
-            <a:endParaRPr lang="en-US" dirty="0"/>
-          </a:p>
-        </p:txBody>
-      </p:sp>
     </p:spTree>
     <p:extLst>
       <p:ext uri="{BB962C8B-B14F-4D97-AF65-F5344CB8AC3E}">
-        <p14:creationId xmlns:p14="http://schemas.microsoft.com/office/powerpoint/2010/main" val="1744599066"/>
+        <p14:creationId xmlns:p14="http://schemas.microsoft.com/office/powerpoint/2010/main" val="2017299285"/>
       </p:ext>
     </p:extLst>
   </p:cSld>
   <p:clrMapOvr>
     <a:masterClrMapping/>
   </p:clrMapOvr>
+  <p:timing>
+    <p:tnLst>
+      <p:par>
+        <p:cTn id="1" dur="indefinite" restart="never" nodeType="tmRoot"/>
+      </p:par>
+    </p:tnLst>
+  </p:timing>
 </p:sld>
 </file>
 
 <file path=ppt/slides/slide6.xml><?xml version="1.0" encoding="utf-8"?>
+<p:sld xmlns:a="http://schemas.openxmlformats.org/drawingml/2006/main" xmlns:r="http://schemas.openxmlformats.org/officeDocument/2006/relationships" xmlns:p="http://schemas.openxmlformats.org/presentationml/2006/main">
+  <p:cSld>
+    <p:spTree>
+      <p:nvGrpSpPr>
+        <p:cNvPr id="1" name=""/>
+        <p:cNvGrpSpPr/>
+        <p:nvPr/>
+      </p:nvGrpSpPr>
+      <p:grpSpPr>
+        <a:xfrm>
+          <a:off x="0" y="0"/>
+          <a:ext cx="0" cy="0"/>
+          <a:chOff x="0" y="0"/>
+          <a:chExt cx="0" cy="0"/>
+        </a:xfrm>
+      </p:grpSpPr>
+      <p:sp>
+        <p:nvSpPr>
+          <p:cNvPr id="2" name="Title 1"/>
+          <p:cNvSpPr>
+            <a:spLocks noGrp="1"/>
+          </p:cNvSpPr>
+          <p:nvPr>
+            <p:ph type="title"/>
+          </p:nvPr>
+        </p:nvSpPr>
+        <p:spPr/>
+        <p:txBody>
+          <a:bodyPr/>
+          <a:lstStyle/>
+          <a:p>
+            <a:r>
+              <a:rPr lang="en-US" dirty="0" smtClean="0"/>
+              <a:t>Scrum Artifacts</a:t>
+            </a:r>
+            <a:endParaRPr lang="en-US" dirty="0"/>
+          </a:p>
+        </p:txBody>
+      </p:sp>
+      <p:pic>
+        <p:nvPicPr>
+          <p:cNvPr id="5" name="Content Placeholder 4"/>
+          <p:cNvPicPr>
+            <a:picLocks noGrp="1" noChangeAspect="1"/>
+          </p:cNvPicPr>
+          <p:nvPr>
+            <p:ph idx="1"/>
+          </p:nvPr>
+        </p:nvPicPr>
+        <p:blipFill>
+          <a:blip r:embed="rId2">
+            <a:extLst>
+              <a:ext uri="{28A0092B-C50C-407E-A947-70E740481C1C}">
+                <a14:useLocalDpi xmlns:a14="http://schemas.microsoft.com/office/drawing/2010/main" val="0"/>
+              </a:ext>
+            </a:extLst>
+          </a:blip>
+          <a:stretch>
+            <a:fillRect/>
+          </a:stretch>
+        </p:blipFill>
+        <p:spPr>
+          <a:xfrm>
+            <a:off x="2973182" y="1825625"/>
+            <a:ext cx="6245636" cy="4351338"/>
+          </a:xfrm>
+        </p:spPr>
+      </p:pic>
+      <p:sp>
+        <p:nvSpPr>
+          <p:cNvPr id="4" name="Slide Number Placeholder 3"/>
+          <p:cNvSpPr>
+            <a:spLocks noGrp="1"/>
+          </p:cNvSpPr>
+          <p:nvPr>
+            <p:ph type="sldNum" sz="quarter" idx="12"/>
+          </p:nvPr>
+        </p:nvSpPr>
+        <p:spPr/>
+        <p:txBody>
+          <a:bodyPr/>
+          <a:lstStyle/>
+          <a:p>
+            <a:r>
+              <a:rPr lang="en-US" smtClean="0"/>
+              <a:t>http://www.garfieldwiki.com</a:t>
+            </a:r>
+            <a:endParaRPr lang="en-US" dirty="0"/>
+          </a:p>
+        </p:txBody>
+      </p:sp>
+    </p:spTree>
+    <p:extLst>
+      <p:ext uri="{BB962C8B-B14F-4D97-AF65-F5344CB8AC3E}">
+        <p14:creationId xmlns:p14="http://schemas.microsoft.com/office/powerpoint/2010/main" val="1003720325"/>
+      </p:ext>
+    </p:extLst>
+  </p:cSld>
+  <p:clrMapOvr>
+    <a:masterClrMapping/>
+  </p:clrMapOvr>
+  <p:timing>
+    <p:tnLst>
+      <p:par>
+        <p:cTn id="1" dur="indefinite" restart="never" nodeType="tmRoot"/>
+      </p:par>
+    </p:tnLst>
+  </p:timing>
+</p:sld>
+</file>
+
+<file path=ppt/slides/slide7.xml><?xml version="1.0" encoding="utf-8"?>
+<p:sld xmlns:a="http://schemas.openxmlformats.org/drawingml/2006/main" xmlns:r="http://schemas.openxmlformats.org/officeDocument/2006/relationships" xmlns:p="http://schemas.openxmlformats.org/presentationml/2006/main">
+  <p:cSld>
+    <p:spTree>
+      <p:nvGrpSpPr>
+        <p:cNvPr id="1" name=""/>
+        <p:cNvGrpSpPr/>
+        <p:nvPr/>
+      </p:nvGrpSpPr>
+      <p:grpSpPr>
+        <a:xfrm>
+          <a:off x="0" y="0"/>
+          <a:ext cx="0" cy="0"/>
+          <a:chOff x="0" y="0"/>
+          <a:chExt cx="0" cy="0"/>
+        </a:xfrm>
+      </p:grpSpPr>
+      <p:sp>
+        <p:nvSpPr>
+          <p:cNvPr id="2" name="Title 1"/>
+          <p:cNvSpPr>
+            <a:spLocks noGrp="1"/>
+          </p:cNvSpPr>
+          <p:nvPr>
+            <p:ph type="title"/>
+          </p:nvPr>
+        </p:nvSpPr>
+        <p:spPr/>
+        <p:txBody>
+          <a:bodyPr/>
+          <a:lstStyle/>
+          <a:p>
+            <a:r>
+              <a:rPr lang="en-US" dirty="0" smtClean="0"/>
+              <a:t>Sprint</a:t>
+            </a:r>
+            <a:endParaRPr lang="en-US" dirty="0"/>
+          </a:p>
+        </p:txBody>
+      </p:sp>
+      <p:pic>
+        <p:nvPicPr>
+          <p:cNvPr id="5" name="Content Placeholder 4"/>
+          <p:cNvPicPr>
+            <a:picLocks noGrp="1" noChangeAspect="1"/>
+          </p:cNvPicPr>
+          <p:nvPr>
+            <p:ph idx="1"/>
+          </p:nvPr>
+        </p:nvPicPr>
+        <p:blipFill>
+          <a:blip r:embed="rId2">
+            <a:extLst>
+              <a:ext uri="{28A0092B-C50C-407E-A947-70E740481C1C}">
+                <a14:useLocalDpi xmlns:a14="http://schemas.microsoft.com/office/drawing/2010/main" val="0"/>
+              </a:ext>
+            </a:extLst>
+          </a:blip>
+          <a:stretch>
+            <a:fillRect/>
+          </a:stretch>
+        </p:blipFill>
+        <p:spPr>
+          <a:xfrm>
+            <a:off x="838200" y="2065153"/>
+            <a:ext cx="10515600" cy="4291197"/>
+          </a:xfrm>
+        </p:spPr>
+      </p:pic>
+      <p:sp>
+        <p:nvSpPr>
+          <p:cNvPr id="4" name="Slide Number Placeholder 3"/>
+          <p:cNvSpPr>
+            <a:spLocks noGrp="1"/>
+          </p:cNvSpPr>
+          <p:nvPr>
+            <p:ph type="sldNum" sz="quarter" idx="12"/>
+          </p:nvPr>
+        </p:nvSpPr>
+        <p:spPr/>
+        <p:txBody>
+          <a:bodyPr/>
+          <a:lstStyle/>
+          <a:p>
+            <a:r>
+              <a:rPr lang="en-US" smtClean="0"/>
+              <a:t>http://www.garfieldwiki.com</a:t>
+            </a:r>
+            <a:endParaRPr lang="en-US" dirty="0"/>
+          </a:p>
+        </p:txBody>
+      </p:sp>
+    </p:spTree>
+    <p:extLst>
+      <p:ext uri="{BB962C8B-B14F-4D97-AF65-F5344CB8AC3E}">
+        <p14:creationId xmlns:p14="http://schemas.microsoft.com/office/powerpoint/2010/main" val="1889937085"/>
+      </p:ext>
+    </p:extLst>
+  </p:cSld>
+  <p:clrMapOvr>
+    <a:masterClrMapping/>
+  </p:clrMapOvr>
+  <p:timing>
+    <p:tnLst>
+      <p:par>
+        <p:cTn id="1" dur="indefinite" restart="never" nodeType="tmRoot"/>
+      </p:par>
+    </p:tnLst>
+  </p:timing>
+</p:sld>
+</file>
+
+<file path=ppt/slides/slide8.xml><?xml version="1.0" encoding="utf-8"?>
+<p:sld xmlns:a="http://schemas.openxmlformats.org/drawingml/2006/main" xmlns:r="http://schemas.openxmlformats.org/officeDocument/2006/relationships" xmlns:p="http://schemas.openxmlformats.org/presentationml/2006/main">
+  <p:cSld>
+    <p:spTree>
+      <p:nvGrpSpPr>
+        <p:cNvPr id="1" name=""/>
+        <p:cNvGrpSpPr/>
+        <p:nvPr/>
+      </p:nvGrpSpPr>
+      <p:grpSpPr>
+        <a:xfrm>
+          <a:off x="0" y="0"/>
+          <a:ext cx="0" cy="0"/>
+          <a:chOff x="0" y="0"/>
+          <a:chExt cx="0" cy="0"/>
+        </a:xfrm>
+      </p:grpSpPr>
+      <p:sp>
+        <p:nvSpPr>
+          <p:cNvPr id="2" name="Title 1"/>
+          <p:cNvSpPr>
+            <a:spLocks noGrp="1"/>
+          </p:cNvSpPr>
+          <p:nvPr>
+            <p:ph type="title"/>
+          </p:nvPr>
+        </p:nvSpPr>
+        <p:spPr/>
+        <p:txBody>
+          <a:bodyPr/>
+          <a:lstStyle/>
+          <a:p>
+            <a:r>
+              <a:rPr lang="en-US" dirty="0" smtClean="0"/>
+              <a:t>Scrum</a:t>
+            </a:r>
+            <a:endParaRPr lang="en-US" dirty="0"/>
+          </a:p>
+        </p:txBody>
+      </p:sp>
+      <p:pic>
+        <p:nvPicPr>
+          <p:cNvPr id="5" name="Content Placeholder 4"/>
+          <p:cNvPicPr>
+            <a:picLocks noGrp="1" noChangeAspect="1"/>
+          </p:cNvPicPr>
+          <p:nvPr>
+            <p:ph idx="1"/>
+          </p:nvPr>
+        </p:nvPicPr>
+        <p:blipFill>
+          <a:blip r:embed="rId2">
+            <a:extLst>
+              <a:ext uri="{28A0092B-C50C-407E-A947-70E740481C1C}">
+                <a14:useLocalDpi xmlns:a14="http://schemas.microsoft.com/office/drawing/2010/main" val="0"/>
+              </a:ext>
+            </a:extLst>
+          </a:blip>
+          <a:stretch>
+            <a:fillRect/>
+          </a:stretch>
+        </p:blipFill>
+        <p:spPr>
+          <a:xfrm>
+            <a:off x="0" y="2029508"/>
+            <a:ext cx="12177467" cy="4164463"/>
+          </a:xfrm>
+        </p:spPr>
+      </p:pic>
+      <p:sp>
+        <p:nvSpPr>
+          <p:cNvPr id="4" name="Slide Number Placeholder 3"/>
+          <p:cNvSpPr>
+            <a:spLocks noGrp="1"/>
+          </p:cNvSpPr>
+          <p:nvPr>
+            <p:ph type="sldNum" sz="quarter" idx="12"/>
+          </p:nvPr>
+        </p:nvSpPr>
+        <p:spPr/>
+        <p:txBody>
+          <a:bodyPr/>
+          <a:lstStyle/>
+          <a:p>
+            <a:r>
+              <a:rPr lang="en-US" smtClean="0"/>
+              <a:t>http://www.garfieldwiki.com</a:t>
+            </a:r>
+            <a:endParaRPr lang="en-US" dirty="0"/>
+          </a:p>
+        </p:txBody>
+      </p:sp>
+    </p:spTree>
+    <p:extLst>
+      <p:ext uri="{BB962C8B-B14F-4D97-AF65-F5344CB8AC3E}">
+        <p14:creationId xmlns:p14="http://schemas.microsoft.com/office/powerpoint/2010/main" val="2073892896"/>
+      </p:ext>
+    </p:extLst>
+  </p:cSld>
+  <p:clrMapOvr>
+    <a:masterClrMapping/>
+  </p:clrMapOvr>
+  <p:timing>
+    <p:tnLst>
+      <p:par>
+        <p:cTn id="1" dur="indefinite" restart="never" nodeType="tmRoot"/>
+      </p:par>
+    </p:tnLst>
+  </p:timing>
+</p:sld>
+</file>
+
+<file path=ppt/slides/slide9.xml><?xml version="1.0" encoding="utf-8"?>
 <p:sld xmlns:a="http://schemas.openxmlformats.org/drawingml/2006/main" xmlns:r="http://schemas.openxmlformats.org/officeDocument/2006/relationships" xmlns:p="http://schemas.openxmlformats.org/presentationml/2006/main">
   <p:cSld>
     <p:spTree>
@@ -5427,183 +6547,13 @@
   <p:clrMapOvr>
     <a:masterClrMapping/>
   </p:clrMapOvr>
-</p:sld>
-</file>
-
-<file path=ppt/slides/slide7.xml><?xml version="1.0" encoding="utf-8"?>
-<p:sld xmlns:a="http://schemas.openxmlformats.org/drawingml/2006/main" xmlns:r="http://schemas.openxmlformats.org/officeDocument/2006/relationships" xmlns:p="http://schemas.openxmlformats.org/presentationml/2006/main">
-  <p:cSld>
-    <p:spTree>
-      <p:nvGrpSpPr>
-        <p:cNvPr id="1" name=""/>
-        <p:cNvGrpSpPr/>
-        <p:nvPr/>
-      </p:nvGrpSpPr>
-      <p:grpSpPr>
-        <a:xfrm>
-          <a:off x="0" y="0"/>
-          <a:ext cx="0" cy="0"/>
-          <a:chOff x="0" y="0"/>
-          <a:chExt cx="0" cy="0"/>
-        </a:xfrm>
-      </p:grpSpPr>
-      <p:sp>
-        <p:nvSpPr>
-          <p:cNvPr id="4" name="Title 3"/>
-          <p:cNvSpPr>
-            <a:spLocks noGrp="1"/>
-          </p:cNvSpPr>
-          <p:nvPr>
-            <p:ph type="ctrTitle"/>
-          </p:nvPr>
-        </p:nvSpPr>
-        <p:spPr>
-          <a:xfrm>
-            <a:off x="1266825" y="1693863"/>
-            <a:ext cx="9144000" cy="2387600"/>
-          </a:xfrm>
-        </p:spPr>
-        <p:txBody>
-          <a:bodyPr/>
-          <a:lstStyle/>
-          <a:p>
-            <a:r>
-              <a:rPr lang="en-US" dirty="0"/>
-              <a:t>Thanks</a:t>
-            </a:r>
-          </a:p>
-        </p:txBody>
-      </p:sp>
-      <p:sp>
-        <p:nvSpPr>
-          <p:cNvPr id="2" name="Slide Number Placeholder 1"/>
-          <p:cNvSpPr>
-            <a:spLocks noGrp="1"/>
-          </p:cNvSpPr>
-          <p:nvPr>
-            <p:ph type="sldNum" sz="quarter" idx="12"/>
-          </p:nvPr>
-        </p:nvSpPr>
-        <p:spPr/>
-        <p:txBody>
-          <a:bodyPr/>
-          <a:lstStyle/>
-          <a:p>
-            <a:r>
-              <a:rPr lang="en-US"/>
-              <a:t>http://www.garfieldwiki.com</a:t>
-            </a:r>
-            <a:endParaRPr lang="en-US" dirty="0"/>
-          </a:p>
-        </p:txBody>
-      </p:sp>
-    </p:spTree>
-    <p:extLst>
-      <p:ext uri="{BB962C8B-B14F-4D97-AF65-F5344CB8AC3E}">
-        <p14:creationId xmlns:p14="http://schemas.microsoft.com/office/powerpoint/2010/main" val="2237206585"/>
-      </p:ext>
-    </p:extLst>
-  </p:cSld>
-  <p:clrMapOvr>
-    <a:masterClrMapping/>
-  </p:clrMapOvr>
-</p:sld>
-</file>
-
-<file path=ppt/slides/slide8.xml><?xml version="1.0" encoding="utf-8"?>
-<p:sld xmlns:a="http://schemas.openxmlformats.org/drawingml/2006/main" xmlns:r="http://schemas.openxmlformats.org/officeDocument/2006/relationships" xmlns:p="http://schemas.openxmlformats.org/presentationml/2006/main">
-  <p:cSld>
-    <p:spTree>
-      <p:nvGrpSpPr>
-        <p:cNvPr id="1" name=""/>
-        <p:cNvGrpSpPr/>
-        <p:nvPr/>
-      </p:nvGrpSpPr>
-      <p:grpSpPr>
-        <a:xfrm>
-          <a:off x="0" y="0"/>
-          <a:ext cx="0" cy="0"/>
-          <a:chOff x="0" y="0"/>
-          <a:chExt cx="0" cy="0"/>
-        </a:xfrm>
-      </p:grpSpPr>
-      <p:sp>
-        <p:nvSpPr>
-          <p:cNvPr id="2" name="Title 1"/>
-          <p:cNvSpPr>
-            <a:spLocks noGrp="1"/>
-          </p:cNvSpPr>
-          <p:nvPr>
-            <p:ph type="title"/>
-          </p:nvPr>
-        </p:nvSpPr>
-        <p:spPr/>
-        <p:txBody>
-          <a:bodyPr/>
-          <a:lstStyle/>
-          <a:p>
-            <a:r>
-              <a:rPr lang="en-US" dirty="0"/>
-              <a:t>History</a:t>
-            </a:r>
-          </a:p>
-        </p:txBody>
-      </p:sp>
-      <p:sp>
-        <p:nvSpPr>
-          <p:cNvPr id="3" name="Content Placeholder 2"/>
-          <p:cNvSpPr>
-            <a:spLocks noGrp="1"/>
-          </p:cNvSpPr>
-          <p:nvPr>
-            <p:ph idx="1"/>
-          </p:nvPr>
-        </p:nvSpPr>
-        <p:spPr/>
-        <p:txBody>
-          <a:bodyPr/>
-          <a:lstStyle/>
-          <a:p>
-            <a:r>
-              <a:rPr lang="en-US" dirty="0"/>
-              <a:t>2017-08-08: Set up</a:t>
-            </a:r>
-          </a:p>
-        </p:txBody>
-      </p:sp>
-      <p:sp>
-        <p:nvSpPr>
-          <p:cNvPr id="4" name="Slide Number Placeholder 3"/>
-          <p:cNvSpPr>
-            <a:spLocks noGrp="1"/>
-          </p:cNvSpPr>
-          <p:nvPr>
-            <p:ph type="sldNum" sz="quarter" idx="12"/>
-          </p:nvPr>
-        </p:nvSpPr>
-        <p:spPr/>
-        <p:txBody>
-          <a:bodyPr/>
-          <a:lstStyle/>
-          <a:p>
-            <a:r>
-              <a:rPr lang="en-US"/>
-              <a:t>http://www.garfieldwiki.com</a:t>
-            </a:r>
-            <a:endParaRPr lang="en-US" dirty="0"/>
-          </a:p>
-        </p:txBody>
-      </p:sp>
-    </p:spTree>
-    <p:extLst>
-      <p:ext uri="{BB962C8B-B14F-4D97-AF65-F5344CB8AC3E}">
-        <p14:creationId xmlns:p14="http://schemas.microsoft.com/office/powerpoint/2010/main" val="4022936381"/>
-      </p:ext>
-    </p:extLst>
-  </p:cSld>
-  <p:clrMapOvr>
-    <a:masterClrMapping/>
-  </p:clrMapOvr>
+  <p:timing>
+    <p:tnLst>
+      <p:par>
+        <p:cTn id="1" dur="indefinite" restart="never" nodeType="tmRoot"/>
+      </p:par>
+    </p:tnLst>
+  </p:timing>
 </p:sld>
 </file>
 
